--- a/content/Java 11 Features.pptx
+++ b/content/Java 11 Features.pptx
@@ -4,9 +4,25 @@
   <p:sldMasterIdLst>
     <p:sldMasterId id="2147483648" r:id="rId1"/>
   </p:sldMasterIdLst>
+  <p:notesMasterIdLst>
+    <p:notesMasterId r:id="rId17"/>
+  </p:notesMasterIdLst>
   <p:sldIdLst>
     <p:sldId id="256" r:id="rId2"/>
     <p:sldId id="257" r:id="rId3"/>
+    <p:sldId id="259" r:id="rId4"/>
+    <p:sldId id="260" r:id="rId5"/>
+    <p:sldId id="261" r:id="rId6"/>
+    <p:sldId id="262" r:id="rId7"/>
+    <p:sldId id="263" r:id="rId8"/>
+    <p:sldId id="264" r:id="rId9"/>
+    <p:sldId id="265" r:id="rId10"/>
+    <p:sldId id="266" r:id="rId11"/>
+    <p:sldId id="267" r:id="rId12"/>
+    <p:sldId id="268" r:id="rId13"/>
+    <p:sldId id="269" r:id="rId14"/>
+    <p:sldId id="270" r:id="rId15"/>
+    <p:sldId id="258" r:id="rId16"/>
   </p:sldIdLst>
   <p:sldSz cx="12192000" cy="6858000"/>
   <p:notesSz cx="6858000" cy="9144000"/>
@@ -105,7 +121,1645 @@
       </a:defRPr>
     </a:lvl9pPr>
   </p:defaultTextStyle>
+  <p:extLst>
+    <p:ext uri="{EFAFB233-063F-42B5-8137-9DF3F51BA10A}">
+      <p15:sldGuideLst xmlns:p15="http://schemas.microsoft.com/office/powerpoint/2012/main"/>
+    </p:ext>
+  </p:extLst>
 </p:presentation>
+</file>
+
+<file path=ppt/notesMasters/notesMaster1.xml><?xml version="1.0" encoding="utf-8"?>
+<p:notesMaster xmlns:a="http://schemas.openxmlformats.org/drawingml/2006/main" xmlns:r="http://schemas.openxmlformats.org/officeDocument/2006/relationships" xmlns:p="http://schemas.openxmlformats.org/presentationml/2006/main">
+  <p:cSld>
+    <p:bg>
+      <p:bgRef idx="1001">
+        <a:schemeClr val="bg1"/>
+      </p:bgRef>
+    </p:bg>
+    <p:spTree>
+      <p:nvGrpSpPr>
+        <p:cNvPr id="1" name=""/>
+        <p:cNvGrpSpPr/>
+        <p:nvPr/>
+      </p:nvGrpSpPr>
+      <p:grpSpPr>
+        <a:xfrm>
+          <a:off x="0" y="0"/>
+          <a:ext cx="0" cy="0"/>
+          <a:chOff x="0" y="0"/>
+          <a:chExt cx="0" cy="0"/>
+        </a:xfrm>
+      </p:grpSpPr>
+      <p:sp>
+        <p:nvSpPr>
+          <p:cNvPr id="2" name="Header Placeholder 1"/>
+          <p:cNvSpPr>
+            <a:spLocks noGrp="1"/>
+          </p:cNvSpPr>
+          <p:nvPr>
+            <p:ph type="hdr" sz="quarter"/>
+          </p:nvPr>
+        </p:nvSpPr>
+        <p:spPr>
+          <a:xfrm>
+            <a:off x="0" y="0"/>
+            <a:ext cx="2971800" cy="458788"/>
+          </a:xfrm>
+          <a:prstGeom prst="rect">
+            <a:avLst/>
+          </a:prstGeom>
+        </p:spPr>
+        <p:txBody>
+          <a:bodyPr vert="horz" lIns="91440" tIns="45720" rIns="91440" bIns="45720" rtlCol="0"/>
+          <a:lstStyle>
+            <a:lvl1pPr algn="l">
+              <a:defRPr sz="1200"/>
+            </a:lvl1pPr>
+          </a:lstStyle>
+          <a:p>
+            <a:endParaRPr lang="en-IN"/>
+          </a:p>
+        </p:txBody>
+      </p:sp>
+      <p:sp>
+        <p:nvSpPr>
+          <p:cNvPr id="3" name="Date Placeholder 2"/>
+          <p:cNvSpPr>
+            <a:spLocks noGrp="1"/>
+          </p:cNvSpPr>
+          <p:nvPr>
+            <p:ph type="dt" idx="1"/>
+          </p:nvPr>
+        </p:nvSpPr>
+        <p:spPr>
+          <a:xfrm>
+            <a:off x="3884613" y="0"/>
+            <a:ext cx="2971800" cy="458788"/>
+          </a:xfrm>
+          <a:prstGeom prst="rect">
+            <a:avLst/>
+          </a:prstGeom>
+        </p:spPr>
+        <p:txBody>
+          <a:bodyPr vert="horz" lIns="91440" tIns="45720" rIns="91440" bIns="45720" rtlCol="0"/>
+          <a:lstStyle>
+            <a:lvl1pPr algn="r">
+              <a:defRPr sz="1200"/>
+            </a:lvl1pPr>
+          </a:lstStyle>
+          <a:p>
+            <a:fld id="{D0B789FD-79C9-4FA9-BBA1-2C58E365B50E}" type="datetimeFigureOut">
+              <a:rPr lang="en-IN" smtClean="0"/>
+              <a:t>07-06-2023</a:t>
+            </a:fld>
+            <a:endParaRPr lang="en-IN"/>
+          </a:p>
+        </p:txBody>
+      </p:sp>
+      <p:sp>
+        <p:nvSpPr>
+          <p:cNvPr id="4" name="Slide Image Placeholder 3"/>
+          <p:cNvSpPr>
+            <a:spLocks noGrp="1" noRot="1" noChangeAspect="1"/>
+          </p:cNvSpPr>
+          <p:nvPr>
+            <p:ph type="sldImg" idx="2"/>
+          </p:nvPr>
+        </p:nvSpPr>
+        <p:spPr>
+          <a:xfrm>
+            <a:off x="685800" y="1143000"/>
+            <a:ext cx="5486400" cy="3086100"/>
+          </a:xfrm>
+          <a:prstGeom prst="rect">
+            <a:avLst/>
+          </a:prstGeom>
+          <a:noFill/>
+          <a:ln w="12700">
+            <a:solidFill>
+              <a:prstClr val="black"/>
+            </a:solidFill>
+          </a:ln>
+        </p:spPr>
+        <p:txBody>
+          <a:bodyPr vert="horz" lIns="91440" tIns="45720" rIns="91440" bIns="45720" rtlCol="0" anchor="ctr"/>
+          <a:lstStyle/>
+          <a:p>
+            <a:endParaRPr lang="en-IN"/>
+          </a:p>
+        </p:txBody>
+      </p:sp>
+      <p:sp>
+        <p:nvSpPr>
+          <p:cNvPr id="5" name="Notes Placeholder 4"/>
+          <p:cNvSpPr>
+            <a:spLocks noGrp="1"/>
+          </p:cNvSpPr>
+          <p:nvPr>
+            <p:ph type="body" sz="quarter" idx="3"/>
+          </p:nvPr>
+        </p:nvSpPr>
+        <p:spPr>
+          <a:xfrm>
+            <a:off x="685800" y="4400550"/>
+            <a:ext cx="5486400" cy="3600450"/>
+          </a:xfrm>
+          <a:prstGeom prst="rect">
+            <a:avLst/>
+          </a:prstGeom>
+        </p:spPr>
+        <p:txBody>
+          <a:bodyPr vert="horz" lIns="91440" tIns="45720" rIns="91440" bIns="45720" rtlCol="0"/>
+          <a:lstStyle/>
+          <a:p>
+            <a:pPr lvl="0"/>
+            <a:r>
+              <a:rPr lang="en-US"/>
+              <a:t>Click to edit Master text styles</a:t>
+            </a:r>
+          </a:p>
+          <a:p>
+            <a:pPr lvl="1"/>
+            <a:r>
+              <a:rPr lang="en-US"/>
+              <a:t>Second level</a:t>
+            </a:r>
+          </a:p>
+          <a:p>
+            <a:pPr lvl="2"/>
+            <a:r>
+              <a:rPr lang="en-US"/>
+              <a:t>Third level</a:t>
+            </a:r>
+          </a:p>
+          <a:p>
+            <a:pPr lvl="3"/>
+            <a:r>
+              <a:rPr lang="en-US"/>
+              <a:t>Fourth level</a:t>
+            </a:r>
+          </a:p>
+          <a:p>
+            <a:pPr lvl="4"/>
+            <a:r>
+              <a:rPr lang="en-US"/>
+              <a:t>Fifth level</a:t>
+            </a:r>
+            <a:endParaRPr lang="en-IN"/>
+          </a:p>
+        </p:txBody>
+      </p:sp>
+      <p:sp>
+        <p:nvSpPr>
+          <p:cNvPr id="6" name="Footer Placeholder 5"/>
+          <p:cNvSpPr>
+            <a:spLocks noGrp="1"/>
+          </p:cNvSpPr>
+          <p:nvPr>
+            <p:ph type="ftr" sz="quarter" idx="4"/>
+          </p:nvPr>
+        </p:nvSpPr>
+        <p:spPr>
+          <a:xfrm>
+            <a:off x="0" y="8685213"/>
+            <a:ext cx="2971800" cy="458787"/>
+          </a:xfrm>
+          <a:prstGeom prst="rect">
+            <a:avLst/>
+          </a:prstGeom>
+        </p:spPr>
+        <p:txBody>
+          <a:bodyPr vert="horz" lIns="91440" tIns="45720" rIns="91440" bIns="45720" rtlCol="0" anchor="b"/>
+          <a:lstStyle>
+            <a:lvl1pPr algn="l">
+              <a:defRPr sz="1200"/>
+            </a:lvl1pPr>
+          </a:lstStyle>
+          <a:p>
+            <a:endParaRPr lang="en-IN"/>
+          </a:p>
+        </p:txBody>
+      </p:sp>
+      <p:sp>
+        <p:nvSpPr>
+          <p:cNvPr id="7" name="Slide Number Placeholder 6"/>
+          <p:cNvSpPr>
+            <a:spLocks noGrp="1"/>
+          </p:cNvSpPr>
+          <p:nvPr>
+            <p:ph type="sldNum" sz="quarter" idx="5"/>
+          </p:nvPr>
+        </p:nvSpPr>
+        <p:spPr>
+          <a:xfrm>
+            <a:off x="3884613" y="8685213"/>
+            <a:ext cx="2971800" cy="458787"/>
+          </a:xfrm>
+          <a:prstGeom prst="rect">
+            <a:avLst/>
+          </a:prstGeom>
+        </p:spPr>
+        <p:txBody>
+          <a:bodyPr vert="horz" lIns="91440" tIns="45720" rIns="91440" bIns="45720" rtlCol="0" anchor="b"/>
+          <a:lstStyle>
+            <a:lvl1pPr algn="r">
+              <a:defRPr sz="1200"/>
+            </a:lvl1pPr>
+          </a:lstStyle>
+          <a:p>
+            <a:fld id="{C6E4041A-54F1-41AE-B668-B0353CFB91C2}" type="slidenum">
+              <a:rPr lang="en-IN" smtClean="0"/>
+              <a:t>‹#›</a:t>
+            </a:fld>
+            <a:endParaRPr lang="en-IN"/>
+          </a:p>
+        </p:txBody>
+      </p:sp>
+    </p:spTree>
+    <p:extLst>
+      <p:ext uri="{BB962C8B-B14F-4D97-AF65-F5344CB8AC3E}">
+        <p14:creationId xmlns:p14="http://schemas.microsoft.com/office/powerpoint/2010/main" val="3339071012"/>
+      </p:ext>
+    </p:extLst>
+  </p:cSld>
+  <p:clrMap bg1="lt1" tx1="dk1" bg2="lt2" tx2="dk2" accent1="accent1" accent2="accent2" accent3="accent3" accent4="accent4" accent5="accent5" accent6="accent6" hlink="hlink" folHlink="folHlink"/>
+  <p:notesStyle>
+    <a:lvl1pPr marL="0" algn="l" defTabSz="914400" rtl="0" eaLnBrk="1" latinLnBrk="0" hangingPunct="1">
+      <a:defRPr sz="1200" kern="1200">
+        <a:solidFill>
+          <a:schemeClr val="tx1"/>
+        </a:solidFill>
+        <a:latin typeface="+mn-lt"/>
+        <a:ea typeface="+mn-ea"/>
+        <a:cs typeface="+mn-cs"/>
+      </a:defRPr>
+    </a:lvl1pPr>
+    <a:lvl2pPr marL="457200" algn="l" defTabSz="914400" rtl="0" eaLnBrk="1" latinLnBrk="0" hangingPunct="1">
+      <a:defRPr sz="1200" kern="1200">
+        <a:solidFill>
+          <a:schemeClr val="tx1"/>
+        </a:solidFill>
+        <a:latin typeface="+mn-lt"/>
+        <a:ea typeface="+mn-ea"/>
+        <a:cs typeface="+mn-cs"/>
+      </a:defRPr>
+    </a:lvl2pPr>
+    <a:lvl3pPr marL="914400" algn="l" defTabSz="914400" rtl="0" eaLnBrk="1" latinLnBrk="0" hangingPunct="1">
+      <a:defRPr sz="1200" kern="1200">
+        <a:solidFill>
+          <a:schemeClr val="tx1"/>
+        </a:solidFill>
+        <a:latin typeface="+mn-lt"/>
+        <a:ea typeface="+mn-ea"/>
+        <a:cs typeface="+mn-cs"/>
+      </a:defRPr>
+    </a:lvl3pPr>
+    <a:lvl4pPr marL="1371600" algn="l" defTabSz="914400" rtl="0" eaLnBrk="1" latinLnBrk="0" hangingPunct="1">
+      <a:defRPr sz="1200" kern="1200">
+        <a:solidFill>
+          <a:schemeClr val="tx1"/>
+        </a:solidFill>
+        <a:latin typeface="+mn-lt"/>
+        <a:ea typeface="+mn-ea"/>
+        <a:cs typeface="+mn-cs"/>
+      </a:defRPr>
+    </a:lvl4pPr>
+    <a:lvl5pPr marL="1828800" algn="l" defTabSz="914400" rtl="0" eaLnBrk="1" latinLnBrk="0" hangingPunct="1">
+      <a:defRPr sz="1200" kern="1200">
+        <a:solidFill>
+          <a:schemeClr val="tx1"/>
+        </a:solidFill>
+        <a:latin typeface="+mn-lt"/>
+        <a:ea typeface="+mn-ea"/>
+        <a:cs typeface="+mn-cs"/>
+      </a:defRPr>
+    </a:lvl5pPr>
+    <a:lvl6pPr marL="2286000" algn="l" defTabSz="914400" rtl="0" eaLnBrk="1" latinLnBrk="0" hangingPunct="1">
+      <a:defRPr sz="1200" kern="1200">
+        <a:solidFill>
+          <a:schemeClr val="tx1"/>
+        </a:solidFill>
+        <a:latin typeface="+mn-lt"/>
+        <a:ea typeface="+mn-ea"/>
+        <a:cs typeface="+mn-cs"/>
+      </a:defRPr>
+    </a:lvl6pPr>
+    <a:lvl7pPr marL="2743200" algn="l" defTabSz="914400" rtl="0" eaLnBrk="1" latinLnBrk="0" hangingPunct="1">
+      <a:defRPr sz="1200" kern="1200">
+        <a:solidFill>
+          <a:schemeClr val="tx1"/>
+        </a:solidFill>
+        <a:latin typeface="+mn-lt"/>
+        <a:ea typeface="+mn-ea"/>
+        <a:cs typeface="+mn-cs"/>
+      </a:defRPr>
+    </a:lvl7pPr>
+    <a:lvl8pPr marL="3200400" algn="l" defTabSz="914400" rtl="0" eaLnBrk="1" latinLnBrk="0" hangingPunct="1">
+      <a:defRPr sz="1200" kern="1200">
+        <a:solidFill>
+          <a:schemeClr val="tx1"/>
+        </a:solidFill>
+        <a:latin typeface="+mn-lt"/>
+        <a:ea typeface="+mn-ea"/>
+        <a:cs typeface="+mn-cs"/>
+      </a:defRPr>
+    </a:lvl8pPr>
+    <a:lvl9pPr marL="3657600" algn="l" defTabSz="914400" rtl="0" eaLnBrk="1" latinLnBrk="0" hangingPunct="1">
+      <a:defRPr sz="1200" kern="1200">
+        <a:solidFill>
+          <a:schemeClr val="tx1"/>
+        </a:solidFill>
+        <a:latin typeface="+mn-lt"/>
+        <a:ea typeface="+mn-ea"/>
+        <a:cs typeface="+mn-cs"/>
+      </a:defRPr>
+    </a:lvl9pPr>
+  </p:notesStyle>
+</p:notesMaster>
+</file>
+
+<file path=ppt/notesSlides/notesSlide1.xml><?xml version="1.0" encoding="utf-8"?>
+<p:notes xmlns:a="http://schemas.openxmlformats.org/drawingml/2006/main" xmlns:r="http://schemas.openxmlformats.org/officeDocument/2006/relationships" xmlns:p="http://schemas.openxmlformats.org/presentationml/2006/main">
+  <p:cSld>
+    <p:spTree>
+      <p:nvGrpSpPr>
+        <p:cNvPr id="1" name=""/>
+        <p:cNvGrpSpPr/>
+        <p:nvPr/>
+      </p:nvGrpSpPr>
+      <p:grpSpPr>
+        <a:xfrm>
+          <a:off x="0" y="0"/>
+          <a:ext cx="0" cy="0"/>
+          <a:chOff x="0" y="0"/>
+          <a:chExt cx="0" cy="0"/>
+        </a:xfrm>
+      </p:grpSpPr>
+      <p:sp>
+        <p:nvSpPr>
+          <p:cNvPr id="2" name="Slide Image Placeholder 1"/>
+          <p:cNvSpPr>
+            <a:spLocks noGrp="1" noRot="1" noChangeAspect="1"/>
+          </p:cNvSpPr>
+          <p:nvPr>
+            <p:ph type="sldImg"/>
+          </p:nvPr>
+        </p:nvSpPr>
+        <p:spPr/>
+      </p:sp>
+      <p:sp>
+        <p:nvSpPr>
+          <p:cNvPr id="3" name="Notes Placeholder 2"/>
+          <p:cNvSpPr>
+            <a:spLocks noGrp="1"/>
+          </p:cNvSpPr>
+          <p:nvPr>
+            <p:ph type="body" idx="1"/>
+          </p:nvPr>
+        </p:nvSpPr>
+        <p:spPr/>
+        <p:txBody>
+          <a:bodyPr/>
+          <a:lstStyle/>
+          <a:p>
+            <a:pPr marL="0" marR="0" lvl="0" indent="0" algn="l" defTabSz="914400" rtl="0" eaLnBrk="1" fontAlgn="auto" latinLnBrk="0" hangingPunct="1">
+              <a:lnSpc>
+                <a:spcPct val="100000"/>
+              </a:lnSpc>
+              <a:spcBef>
+                <a:spcPts val="0"/>
+              </a:spcBef>
+              <a:spcAft>
+                <a:spcPts val="0"/>
+              </a:spcAft>
+              <a:buClrTx/>
+              <a:buSzTx/>
+              <a:buFontTx/>
+              <a:buNone/>
+              <a:tabLst/>
+              <a:defRPr/>
+            </a:pPr>
+            <a:r>
+              <a:rPr lang="en-IN" dirty="0"/>
+              <a:t>For Reference https://www.studytonight.com/java-examples/java-11-new-features</a:t>
+            </a:r>
+          </a:p>
+          <a:p>
+            <a:endParaRPr lang="en-IN" dirty="0"/>
+          </a:p>
+        </p:txBody>
+      </p:sp>
+      <p:sp>
+        <p:nvSpPr>
+          <p:cNvPr id="4" name="Slide Number Placeholder 3"/>
+          <p:cNvSpPr>
+            <a:spLocks noGrp="1"/>
+          </p:cNvSpPr>
+          <p:nvPr>
+            <p:ph type="sldNum" sz="quarter" idx="5"/>
+          </p:nvPr>
+        </p:nvSpPr>
+        <p:spPr/>
+        <p:txBody>
+          <a:bodyPr/>
+          <a:lstStyle/>
+          <a:p>
+            <a:fld id="{C6E4041A-54F1-41AE-B668-B0353CFB91C2}" type="slidenum">
+              <a:rPr lang="en-IN" smtClean="0"/>
+              <a:t>3</a:t>
+            </a:fld>
+            <a:endParaRPr lang="en-IN"/>
+          </a:p>
+        </p:txBody>
+      </p:sp>
+    </p:spTree>
+    <p:extLst>
+      <p:ext uri="{BB962C8B-B14F-4D97-AF65-F5344CB8AC3E}">
+        <p14:creationId xmlns:p14="http://schemas.microsoft.com/office/powerpoint/2010/main" val="2864544561"/>
+      </p:ext>
+    </p:extLst>
+  </p:cSld>
+  <p:clrMapOvr>
+    <a:masterClrMapping/>
+  </p:clrMapOvr>
+</p:notes>
+</file>
+
+<file path=ppt/notesSlides/notesSlide10.xml><?xml version="1.0" encoding="utf-8"?>
+<p:notes xmlns:a="http://schemas.openxmlformats.org/drawingml/2006/main" xmlns:r="http://schemas.openxmlformats.org/officeDocument/2006/relationships" xmlns:p="http://schemas.openxmlformats.org/presentationml/2006/main">
+  <p:cSld>
+    <p:spTree>
+      <p:nvGrpSpPr>
+        <p:cNvPr id="1" name=""/>
+        <p:cNvGrpSpPr/>
+        <p:nvPr/>
+      </p:nvGrpSpPr>
+      <p:grpSpPr>
+        <a:xfrm>
+          <a:off x="0" y="0"/>
+          <a:ext cx="0" cy="0"/>
+          <a:chOff x="0" y="0"/>
+          <a:chExt cx="0" cy="0"/>
+        </a:xfrm>
+      </p:grpSpPr>
+      <p:sp>
+        <p:nvSpPr>
+          <p:cNvPr id="2" name="Slide Image Placeholder 1"/>
+          <p:cNvSpPr>
+            <a:spLocks noGrp="1" noRot="1" noChangeAspect="1"/>
+          </p:cNvSpPr>
+          <p:nvPr>
+            <p:ph type="sldImg"/>
+          </p:nvPr>
+        </p:nvSpPr>
+        <p:spPr/>
+      </p:sp>
+      <p:sp>
+        <p:nvSpPr>
+          <p:cNvPr id="3" name="Notes Placeholder 2"/>
+          <p:cNvSpPr>
+            <a:spLocks noGrp="1"/>
+          </p:cNvSpPr>
+          <p:nvPr>
+            <p:ph type="body" idx="1"/>
+          </p:nvPr>
+        </p:nvSpPr>
+        <p:spPr/>
+        <p:txBody>
+          <a:bodyPr/>
+          <a:lstStyle/>
+          <a:p>
+            <a:pPr marL="0" marR="0" lvl="0" indent="0" algn="l" defTabSz="914400" rtl="0" eaLnBrk="1" fontAlgn="auto" latinLnBrk="0" hangingPunct="1">
+              <a:lnSpc>
+                <a:spcPct val="100000"/>
+              </a:lnSpc>
+              <a:spcBef>
+                <a:spcPts val="0"/>
+              </a:spcBef>
+              <a:spcAft>
+                <a:spcPts val="0"/>
+              </a:spcAft>
+              <a:buClrTx/>
+              <a:buSzTx/>
+              <a:buFontTx/>
+              <a:buNone/>
+              <a:tabLst/>
+              <a:defRPr/>
+            </a:pPr>
+            <a:r>
+              <a:rPr lang="en-IN" dirty="0"/>
+              <a:t>For Reference https://www.studytonight.com/java-examples/java-11-new-features</a:t>
+            </a:r>
+          </a:p>
+          <a:p>
+            <a:endParaRPr lang="en-IN" dirty="0"/>
+          </a:p>
+        </p:txBody>
+      </p:sp>
+      <p:sp>
+        <p:nvSpPr>
+          <p:cNvPr id="4" name="Slide Number Placeholder 3"/>
+          <p:cNvSpPr>
+            <a:spLocks noGrp="1"/>
+          </p:cNvSpPr>
+          <p:nvPr>
+            <p:ph type="sldNum" sz="quarter" idx="5"/>
+          </p:nvPr>
+        </p:nvSpPr>
+        <p:spPr/>
+        <p:txBody>
+          <a:bodyPr/>
+          <a:lstStyle/>
+          <a:p>
+            <a:fld id="{C6E4041A-54F1-41AE-B668-B0353CFB91C2}" type="slidenum">
+              <a:rPr lang="en-IN" smtClean="0"/>
+              <a:t>12</a:t>
+            </a:fld>
+            <a:endParaRPr lang="en-IN"/>
+          </a:p>
+        </p:txBody>
+      </p:sp>
+    </p:spTree>
+    <p:extLst>
+      <p:ext uri="{BB962C8B-B14F-4D97-AF65-F5344CB8AC3E}">
+        <p14:creationId xmlns:p14="http://schemas.microsoft.com/office/powerpoint/2010/main" val="3051552017"/>
+      </p:ext>
+    </p:extLst>
+  </p:cSld>
+  <p:clrMapOvr>
+    <a:masterClrMapping/>
+  </p:clrMapOvr>
+</p:notes>
+</file>
+
+<file path=ppt/notesSlides/notesSlide11.xml><?xml version="1.0" encoding="utf-8"?>
+<p:notes xmlns:a="http://schemas.openxmlformats.org/drawingml/2006/main" xmlns:r="http://schemas.openxmlformats.org/officeDocument/2006/relationships" xmlns:p="http://schemas.openxmlformats.org/presentationml/2006/main">
+  <p:cSld>
+    <p:spTree>
+      <p:nvGrpSpPr>
+        <p:cNvPr id="1" name=""/>
+        <p:cNvGrpSpPr/>
+        <p:nvPr/>
+      </p:nvGrpSpPr>
+      <p:grpSpPr>
+        <a:xfrm>
+          <a:off x="0" y="0"/>
+          <a:ext cx="0" cy="0"/>
+          <a:chOff x="0" y="0"/>
+          <a:chExt cx="0" cy="0"/>
+        </a:xfrm>
+      </p:grpSpPr>
+      <p:sp>
+        <p:nvSpPr>
+          <p:cNvPr id="2" name="Slide Image Placeholder 1"/>
+          <p:cNvSpPr>
+            <a:spLocks noGrp="1" noRot="1" noChangeAspect="1"/>
+          </p:cNvSpPr>
+          <p:nvPr>
+            <p:ph type="sldImg"/>
+          </p:nvPr>
+        </p:nvSpPr>
+        <p:spPr/>
+      </p:sp>
+      <p:sp>
+        <p:nvSpPr>
+          <p:cNvPr id="3" name="Notes Placeholder 2"/>
+          <p:cNvSpPr>
+            <a:spLocks noGrp="1"/>
+          </p:cNvSpPr>
+          <p:nvPr>
+            <p:ph type="body" idx="1"/>
+          </p:nvPr>
+        </p:nvSpPr>
+        <p:spPr/>
+        <p:txBody>
+          <a:bodyPr/>
+          <a:lstStyle/>
+          <a:p>
+            <a:pPr marL="0" marR="0" lvl="0" indent="0" algn="l" defTabSz="914400" rtl="0" eaLnBrk="1" fontAlgn="auto" latinLnBrk="0" hangingPunct="1">
+              <a:lnSpc>
+                <a:spcPct val="100000"/>
+              </a:lnSpc>
+              <a:spcBef>
+                <a:spcPts val="0"/>
+              </a:spcBef>
+              <a:spcAft>
+                <a:spcPts val="0"/>
+              </a:spcAft>
+              <a:buClrTx/>
+              <a:buSzTx/>
+              <a:buFontTx/>
+              <a:buNone/>
+              <a:tabLst/>
+              <a:defRPr/>
+            </a:pPr>
+            <a:r>
+              <a:rPr lang="en-IN" dirty="0"/>
+              <a:t>For Reference https://www.studytonight.com/java-examples/java-11-new-features</a:t>
+            </a:r>
+          </a:p>
+          <a:p>
+            <a:endParaRPr lang="en-IN" dirty="0"/>
+          </a:p>
+        </p:txBody>
+      </p:sp>
+      <p:sp>
+        <p:nvSpPr>
+          <p:cNvPr id="4" name="Slide Number Placeholder 3"/>
+          <p:cNvSpPr>
+            <a:spLocks noGrp="1"/>
+          </p:cNvSpPr>
+          <p:nvPr>
+            <p:ph type="sldNum" sz="quarter" idx="5"/>
+          </p:nvPr>
+        </p:nvSpPr>
+        <p:spPr/>
+        <p:txBody>
+          <a:bodyPr/>
+          <a:lstStyle/>
+          <a:p>
+            <a:fld id="{C6E4041A-54F1-41AE-B668-B0353CFB91C2}" type="slidenum">
+              <a:rPr lang="en-IN" smtClean="0"/>
+              <a:t>13</a:t>
+            </a:fld>
+            <a:endParaRPr lang="en-IN"/>
+          </a:p>
+        </p:txBody>
+      </p:sp>
+    </p:spTree>
+    <p:extLst>
+      <p:ext uri="{BB962C8B-B14F-4D97-AF65-F5344CB8AC3E}">
+        <p14:creationId xmlns:p14="http://schemas.microsoft.com/office/powerpoint/2010/main" val="2798243865"/>
+      </p:ext>
+    </p:extLst>
+  </p:cSld>
+  <p:clrMapOvr>
+    <a:masterClrMapping/>
+  </p:clrMapOvr>
+</p:notes>
+</file>
+
+<file path=ppt/notesSlides/notesSlide12.xml><?xml version="1.0" encoding="utf-8"?>
+<p:notes xmlns:a="http://schemas.openxmlformats.org/drawingml/2006/main" xmlns:r="http://schemas.openxmlformats.org/officeDocument/2006/relationships" xmlns:p="http://schemas.openxmlformats.org/presentationml/2006/main">
+  <p:cSld>
+    <p:spTree>
+      <p:nvGrpSpPr>
+        <p:cNvPr id="1" name=""/>
+        <p:cNvGrpSpPr/>
+        <p:nvPr/>
+      </p:nvGrpSpPr>
+      <p:grpSpPr>
+        <a:xfrm>
+          <a:off x="0" y="0"/>
+          <a:ext cx="0" cy="0"/>
+          <a:chOff x="0" y="0"/>
+          <a:chExt cx="0" cy="0"/>
+        </a:xfrm>
+      </p:grpSpPr>
+      <p:sp>
+        <p:nvSpPr>
+          <p:cNvPr id="2" name="Slide Image Placeholder 1"/>
+          <p:cNvSpPr>
+            <a:spLocks noGrp="1" noRot="1" noChangeAspect="1"/>
+          </p:cNvSpPr>
+          <p:nvPr>
+            <p:ph type="sldImg"/>
+          </p:nvPr>
+        </p:nvSpPr>
+        <p:spPr/>
+      </p:sp>
+      <p:sp>
+        <p:nvSpPr>
+          <p:cNvPr id="3" name="Notes Placeholder 2"/>
+          <p:cNvSpPr>
+            <a:spLocks noGrp="1"/>
+          </p:cNvSpPr>
+          <p:nvPr>
+            <p:ph type="body" idx="1"/>
+          </p:nvPr>
+        </p:nvSpPr>
+        <p:spPr/>
+        <p:txBody>
+          <a:bodyPr/>
+          <a:lstStyle/>
+          <a:p>
+            <a:r>
+              <a:rPr lang="en-IN" dirty="0"/>
+              <a:t>For Reference https://www.studytonight.com/java-examples/java-11-new-features</a:t>
+            </a:r>
+          </a:p>
+        </p:txBody>
+      </p:sp>
+      <p:sp>
+        <p:nvSpPr>
+          <p:cNvPr id="4" name="Slide Number Placeholder 3"/>
+          <p:cNvSpPr>
+            <a:spLocks noGrp="1"/>
+          </p:cNvSpPr>
+          <p:nvPr>
+            <p:ph type="sldNum" sz="quarter" idx="5"/>
+          </p:nvPr>
+        </p:nvSpPr>
+        <p:spPr/>
+        <p:txBody>
+          <a:bodyPr/>
+          <a:lstStyle/>
+          <a:p>
+            <a:fld id="{C6E4041A-54F1-41AE-B668-B0353CFB91C2}" type="slidenum">
+              <a:rPr lang="en-IN" smtClean="0"/>
+              <a:t>14</a:t>
+            </a:fld>
+            <a:endParaRPr lang="en-IN"/>
+          </a:p>
+        </p:txBody>
+      </p:sp>
+    </p:spTree>
+    <p:extLst>
+      <p:ext uri="{BB962C8B-B14F-4D97-AF65-F5344CB8AC3E}">
+        <p14:creationId xmlns:p14="http://schemas.microsoft.com/office/powerpoint/2010/main" val="3282338173"/>
+      </p:ext>
+    </p:extLst>
+  </p:cSld>
+  <p:clrMapOvr>
+    <a:masterClrMapping/>
+  </p:clrMapOvr>
+</p:notes>
+</file>
+
+<file path=ppt/notesSlides/notesSlide2.xml><?xml version="1.0" encoding="utf-8"?>
+<p:notes xmlns:a="http://schemas.openxmlformats.org/drawingml/2006/main" xmlns:r="http://schemas.openxmlformats.org/officeDocument/2006/relationships" xmlns:p="http://schemas.openxmlformats.org/presentationml/2006/main">
+  <p:cSld>
+    <p:spTree>
+      <p:nvGrpSpPr>
+        <p:cNvPr id="1" name=""/>
+        <p:cNvGrpSpPr/>
+        <p:nvPr/>
+      </p:nvGrpSpPr>
+      <p:grpSpPr>
+        <a:xfrm>
+          <a:off x="0" y="0"/>
+          <a:ext cx="0" cy="0"/>
+          <a:chOff x="0" y="0"/>
+          <a:chExt cx="0" cy="0"/>
+        </a:xfrm>
+      </p:grpSpPr>
+      <p:sp>
+        <p:nvSpPr>
+          <p:cNvPr id="2" name="Slide Image Placeholder 1"/>
+          <p:cNvSpPr>
+            <a:spLocks noGrp="1" noRot="1" noChangeAspect="1"/>
+          </p:cNvSpPr>
+          <p:nvPr>
+            <p:ph type="sldImg"/>
+          </p:nvPr>
+        </p:nvSpPr>
+        <p:spPr/>
+      </p:sp>
+      <p:sp>
+        <p:nvSpPr>
+          <p:cNvPr id="3" name="Notes Placeholder 2"/>
+          <p:cNvSpPr>
+            <a:spLocks noGrp="1"/>
+          </p:cNvSpPr>
+          <p:nvPr>
+            <p:ph type="body" idx="1"/>
+          </p:nvPr>
+        </p:nvSpPr>
+        <p:spPr/>
+        <p:txBody>
+          <a:bodyPr/>
+          <a:lstStyle/>
+          <a:p>
+            <a:pPr marL="0" marR="0" lvl="0" indent="0" algn="l" defTabSz="914400" rtl="0" eaLnBrk="1" fontAlgn="auto" latinLnBrk="0" hangingPunct="1">
+              <a:lnSpc>
+                <a:spcPct val="100000"/>
+              </a:lnSpc>
+              <a:spcBef>
+                <a:spcPts val="0"/>
+              </a:spcBef>
+              <a:spcAft>
+                <a:spcPts val="0"/>
+              </a:spcAft>
+              <a:buClrTx/>
+              <a:buSzTx/>
+              <a:buFontTx/>
+              <a:buNone/>
+              <a:tabLst/>
+              <a:defRPr/>
+            </a:pPr>
+            <a:r>
+              <a:rPr lang="en-IN" dirty="0"/>
+              <a:t>For Reference https://www.studytonight.com/java-examples/java-11-new-features</a:t>
+            </a:r>
+          </a:p>
+          <a:p>
+            <a:endParaRPr lang="en-IN" dirty="0"/>
+          </a:p>
+        </p:txBody>
+      </p:sp>
+      <p:sp>
+        <p:nvSpPr>
+          <p:cNvPr id="4" name="Slide Number Placeholder 3"/>
+          <p:cNvSpPr>
+            <a:spLocks noGrp="1"/>
+          </p:cNvSpPr>
+          <p:nvPr>
+            <p:ph type="sldNum" sz="quarter" idx="5"/>
+          </p:nvPr>
+        </p:nvSpPr>
+        <p:spPr/>
+        <p:txBody>
+          <a:bodyPr/>
+          <a:lstStyle/>
+          <a:p>
+            <a:fld id="{C6E4041A-54F1-41AE-B668-B0353CFB91C2}" type="slidenum">
+              <a:rPr lang="en-IN" smtClean="0"/>
+              <a:t>4</a:t>
+            </a:fld>
+            <a:endParaRPr lang="en-IN"/>
+          </a:p>
+        </p:txBody>
+      </p:sp>
+    </p:spTree>
+    <p:extLst>
+      <p:ext uri="{BB962C8B-B14F-4D97-AF65-F5344CB8AC3E}">
+        <p14:creationId xmlns:p14="http://schemas.microsoft.com/office/powerpoint/2010/main" val="126095101"/>
+      </p:ext>
+    </p:extLst>
+  </p:cSld>
+  <p:clrMapOvr>
+    <a:masterClrMapping/>
+  </p:clrMapOvr>
+</p:notes>
+</file>
+
+<file path=ppt/notesSlides/notesSlide3.xml><?xml version="1.0" encoding="utf-8"?>
+<p:notes xmlns:a="http://schemas.openxmlformats.org/drawingml/2006/main" xmlns:r="http://schemas.openxmlformats.org/officeDocument/2006/relationships" xmlns:p="http://schemas.openxmlformats.org/presentationml/2006/main">
+  <p:cSld>
+    <p:spTree>
+      <p:nvGrpSpPr>
+        <p:cNvPr id="1" name=""/>
+        <p:cNvGrpSpPr/>
+        <p:nvPr/>
+      </p:nvGrpSpPr>
+      <p:grpSpPr>
+        <a:xfrm>
+          <a:off x="0" y="0"/>
+          <a:ext cx="0" cy="0"/>
+          <a:chOff x="0" y="0"/>
+          <a:chExt cx="0" cy="0"/>
+        </a:xfrm>
+      </p:grpSpPr>
+      <p:sp>
+        <p:nvSpPr>
+          <p:cNvPr id="2" name="Slide Image Placeholder 1"/>
+          <p:cNvSpPr>
+            <a:spLocks noGrp="1" noRot="1" noChangeAspect="1"/>
+          </p:cNvSpPr>
+          <p:nvPr>
+            <p:ph type="sldImg"/>
+          </p:nvPr>
+        </p:nvSpPr>
+        <p:spPr/>
+      </p:sp>
+      <p:sp>
+        <p:nvSpPr>
+          <p:cNvPr id="3" name="Notes Placeholder 2"/>
+          <p:cNvSpPr>
+            <a:spLocks noGrp="1"/>
+          </p:cNvSpPr>
+          <p:nvPr>
+            <p:ph type="body" idx="1"/>
+          </p:nvPr>
+        </p:nvSpPr>
+        <p:spPr/>
+        <p:txBody>
+          <a:bodyPr/>
+          <a:lstStyle/>
+          <a:p>
+            <a:pPr marL="0" marR="0" lvl="0" indent="0" algn="l" defTabSz="914400" rtl="0" eaLnBrk="1" fontAlgn="auto" latinLnBrk="0" hangingPunct="1">
+              <a:lnSpc>
+                <a:spcPct val="100000"/>
+              </a:lnSpc>
+              <a:spcBef>
+                <a:spcPts val="0"/>
+              </a:spcBef>
+              <a:spcAft>
+                <a:spcPts val="0"/>
+              </a:spcAft>
+              <a:buClrTx/>
+              <a:buSzTx/>
+              <a:buFontTx/>
+              <a:buNone/>
+              <a:tabLst/>
+              <a:defRPr/>
+            </a:pPr>
+            <a:r>
+              <a:rPr lang="en-IN" dirty="0"/>
+              <a:t>For Reference https://www.studytonight.com/java-examples/java-11-new-features</a:t>
+            </a:r>
+          </a:p>
+          <a:p>
+            <a:endParaRPr lang="en-IN" dirty="0"/>
+          </a:p>
+        </p:txBody>
+      </p:sp>
+      <p:sp>
+        <p:nvSpPr>
+          <p:cNvPr id="4" name="Slide Number Placeholder 3"/>
+          <p:cNvSpPr>
+            <a:spLocks noGrp="1"/>
+          </p:cNvSpPr>
+          <p:nvPr>
+            <p:ph type="sldNum" sz="quarter" idx="5"/>
+          </p:nvPr>
+        </p:nvSpPr>
+        <p:spPr/>
+        <p:txBody>
+          <a:bodyPr/>
+          <a:lstStyle/>
+          <a:p>
+            <a:fld id="{C6E4041A-54F1-41AE-B668-B0353CFB91C2}" type="slidenum">
+              <a:rPr lang="en-IN" smtClean="0"/>
+              <a:t>5</a:t>
+            </a:fld>
+            <a:endParaRPr lang="en-IN"/>
+          </a:p>
+        </p:txBody>
+      </p:sp>
+    </p:spTree>
+    <p:extLst>
+      <p:ext uri="{BB962C8B-B14F-4D97-AF65-F5344CB8AC3E}">
+        <p14:creationId xmlns:p14="http://schemas.microsoft.com/office/powerpoint/2010/main" val="2158062456"/>
+      </p:ext>
+    </p:extLst>
+  </p:cSld>
+  <p:clrMapOvr>
+    <a:masterClrMapping/>
+  </p:clrMapOvr>
+</p:notes>
+</file>
+
+<file path=ppt/notesSlides/notesSlide4.xml><?xml version="1.0" encoding="utf-8"?>
+<p:notes xmlns:a="http://schemas.openxmlformats.org/drawingml/2006/main" xmlns:r="http://schemas.openxmlformats.org/officeDocument/2006/relationships" xmlns:p="http://schemas.openxmlformats.org/presentationml/2006/main">
+  <p:cSld>
+    <p:spTree>
+      <p:nvGrpSpPr>
+        <p:cNvPr id="1" name=""/>
+        <p:cNvGrpSpPr/>
+        <p:nvPr/>
+      </p:nvGrpSpPr>
+      <p:grpSpPr>
+        <a:xfrm>
+          <a:off x="0" y="0"/>
+          <a:ext cx="0" cy="0"/>
+          <a:chOff x="0" y="0"/>
+          <a:chExt cx="0" cy="0"/>
+        </a:xfrm>
+      </p:grpSpPr>
+      <p:sp>
+        <p:nvSpPr>
+          <p:cNvPr id="2" name="Slide Image Placeholder 1"/>
+          <p:cNvSpPr>
+            <a:spLocks noGrp="1" noRot="1" noChangeAspect="1"/>
+          </p:cNvSpPr>
+          <p:nvPr>
+            <p:ph type="sldImg"/>
+          </p:nvPr>
+        </p:nvSpPr>
+        <p:spPr/>
+      </p:sp>
+      <p:sp>
+        <p:nvSpPr>
+          <p:cNvPr id="3" name="Notes Placeholder 2"/>
+          <p:cNvSpPr>
+            <a:spLocks noGrp="1"/>
+          </p:cNvSpPr>
+          <p:nvPr>
+            <p:ph type="body" idx="1"/>
+          </p:nvPr>
+        </p:nvSpPr>
+        <p:spPr/>
+        <p:txBody>
+          <a:bodyPr/>
+          <a:lstStyle/>
+          <a:p>
+            <a:pPr marL="0" marR="0" lvl="0" indent="0" algn="l" defTabSz="914400" rtl="0" eaLnBrk="1" fontAlgn="auto" latinLnBrk="0" hangingPunct="1">
+              <a:lnSpc>
+                <a:spcPct val="100000"/>
+              </a:lnSpc>
+              <a:spcBef>
+                <a:spcPts val="0"/>
+              </a:spcBef>
+              <a:spcAft>
+                <a:spcPts val="0"/>
+              </a:spcAft>
+              <a:buClrTx/>
+              <a:buSzTx/>
+              <a:buFontTx/>
+              <a:buNone/>
+              <a:tabLst/>
+              <a:defRPr/>
+            </a:pPr>
+            <a:r>
+              <a:rPr lang="en-IN" dirty="0"/>
+              <a:t>For Reference https://www.studytonight.com/java-examples/java-11-new-features</a:t>
+            </a:r>
+          </a:p>
+          <a:p>
+            <a:endParaRPr lang="en-IN" dirty="0"/>
+          </a:p>
+        </p:txBody>
+      </p:sp>
+      <p:sp>
+        <p:nvSpPr>
+          <p:cNvPr id="4" name="Slide Number Placeholder 3"/>
+          <p:cNvSpPr>
+            <a:spLocks noGrp="1"/>
+          </p:cNvSpPr>
+          <p:nvPr>
+            <p:ph type="sldNum" sz="quarter" idx="5"/>
+          </p:nvPr>
+        </p:nvSpPr>
+        <p:spPr/>
+        <p:txBody>
+          <a:bodyPr/>
+          <a:lstStyle/>
+          <a:p>
+            <a:fld id="{C6E4041A-54F1-41AE-B668-B0353CFB91C2}" type="slidenum">
+              <a:rPr lang="en-IN" smtClean="0"/>
+              <a:t>6</a:t>
+            </a:fld>
+            <a:endParaRPr lang="en-IN"/>
+          </a:p>
+        </p:txBody>
+      </p:sp>
+    </p:spTree>
+    <p:extLst>
+      <p:ext uri="{BB962C8B-B14F-4D97-AF65-F5344CB8AC3E}">
+        <p14:creationId xmlns:p14="http://schemas.microsoft.com/office/powerpoint/2010/main" val="179404846"/>
+      </p:ext>
+    </p:extLst>
+  </p:cSld>
+  <p:clrMapOvr>
+    <a:masterClrMapping/>
+  </p:clrMapOvr>
+</p:notes>
+</file>
+
+<file path=ppt/notesSlides/notesSlide5.xml><?xml version="1.0" encoding="utf-8"?>
+<p:notes xmlns:a="http://schemas.openxmlformats.org/drawingml/2006/main" xmlns:r="http://schemas.openxmlformats.org/officeDocument/2006/relationships" xmlns:p="http://schemas.openxmlformats.org/presentationml/2006/main">
+  <p:cSld>
+    <p:spTree>
+      <p:nvGrpSpPr>
+        <p:cNvPr id="1" name=""/>
+        <p:cNvGrpSpPr/>
+        <p:nvPr/>
+      </p:nvGrpSpPr>
+      <p:grpSpPr>
+        <a:xfrm>
+          <a:off x="0" y="0"/>
+          <a:ext cx="0" cy="0"/>
+          <a:chOff x="0" y="0"/>
+          <a:chExt cx="0" cy="0"/>
+        </a:xfrm>
+      </p:grpSpPr>
+      <p:sp>
+        <p:nvSpPr>
+          <p:cNvPr id="2" name="Slide Image Placeholder 1"/>
+          <p:cNvSpPr>
+            <a:spLocks noGrp="1" noRot="1" noChangeAspect="1"/>
+          </p:cNvSpPr>
+          <p:nvPr>
+            <p:ph type="sldImg"/>
+          </p:nvPr>
+        </p:nvSpPr>
+        <p:spPr/>
+      </p:sp>
+      <p:sp>
+        <p:nvSpPr>
+          <p:cNvPr id="3" name="Notes Placeholder 2"/>
+          <p:cNvSpPr>
+            <a:spLocks noGrp="1"/>
+          </p:cNvSpPr>
+          <p:nvPr>
+            <p:ph type="body" idx="1"/>
+          </p:nvPr>
+        </p:nvSpPr>
+        <p:spPr/>
+        <p:txBody>
+          <a:bodyPr/>
+          <a:lstStyle/>
+          <a:p>
+            <a:pPr marL="0" marR="0" lvl="0" indent="0" algn="l" defTabSz="914400" rtl="0" eaLnBrk="1" fontAlgn="auto" latinLnBrk="0" hangingPunct="1">
+              <a:lnSpc>
+                <a:spcPct val="100000"/>
+              </a:lnSpc>
+              <a:spcBef>
+                <a:spcPts val="0"/>
+              </a:spcBef>
+              <a:spcAft>
+                <a:spcPts val="0"/>
+              </a:spcAft>
+              <a:buClrTx/>
+              <a:buSzTx/>
+              <a:buFontTx/>
+              <a:buNone/>
+              <a:tabLst/>
+              <a:defRPr/>
+            </a:pPr>
+            <a:r>
+              <a:rPr lang="en-IN" dirty="0"/>
+              <a:t>For Reference https://www.studytonight.com/java-examples/java-11-new-features</a:t>
+            </a:r>
+          </a:p>
+          <a:p>
+            <a:endParaRPr lang="en-IN" dirty="0"/>
+          </a:p>
+        </p:txBody>
+      </p:sp>
+      <p:sp>
+        <p:nvSpPr>
+          <p:cNvPr id="4" name="Slide Number Placeholder 3"/>
+          <p:cNvSpPr>
+            <a:spLocks noGrp="1"/>
+          </p:cNvSpPr>
+          <p:nvPr>
+            <p:ph type="sldNum" sz="quarter" idx="5"/>
+          </p:nvPr>
+        </p:nvSpPr>
+        <p:spPr/>
+        <p:txBody>
+          <a:bodyPr/>
+          <a:lstStyle/>
+          <a:p>
+            <a:fld id="{C6E4041A-54F1-41AE-B668-B0353CFB91C2}" type="slidenum">
+              <a:rPr lang="en-IN" smtClean="0"/>
+              <a:t>7</a:t>
+            </a:fld>
+            <a:endParaRPr lang="en-IN"/>
+          </a:p>
+        </p:txBody>
+      </p:sp>
+    </p:spTree>
+    <p:extLst>
+      <p:ext uri="{BB962C8B-B14F-4D97-AF65-F5344CB8AC3E}">
+        <p14:creationId xmlns:p14="http://schemas.microsoft.com/office/powerpoint/2010/main" val="2248296156"/>
+      </p:ext>
+    </p:extLst>
+  </p:cSld>
+  <p:clrMapOvr>
+    <a:masterClrMapping/>
+  </p:clrMapOvr>
+</p:notes>
+</file>
+
+<file path=ppt/notesSlides/notesSlide6.xml><?xml version="1.0" encoding="utf-8"?>
+<p:notes xmlns:a="http://schemas.openxmlformats.org/drawingml/2006/main" xmlns:r="http://schemas.openxmlformats.org/officeDocument/2006/relationships" xmlns:p="http://schemas.openxmlformats.org/presentationml/2006/main">
+  <p:cSld>
+    <p:spTree>
+      <p:nvGrpSpPr>
+        <p:cNvPr id="1" name=""/>
+        <p:cNvGrpSpPr/>
+        <p:nvPr/>
+      </p:nvGrpSpPr>
+      <p:grpSpPr>
+        <a:xfrm>
+          <a:off x="0" y="0"/>
+          <a:ext cx="0" cy="0"/>
+          <a:chOff x="0" y="0"/>
+          <a:chExt cx="0" cy="0"/>
+        </a:xfrm>
+      </p:grpSpPr>
+      <p:sp>
+        <p:nvSpPr>
+          <p:cNvPr id="2" name="Slide Image Placeholder 1"/>
+          <p:cNvSpPr>
+            <a:spLocks noGrp="1" noRot="1" noChangeAspect="1"/>
+          </p:cNvSpPr>
+          <p:nvPr>
+            <p:ph type="sldImg"/>
+          </p:nvPr>
+        </p:nvSpPr>
+        <p:spPr/>
+      </p:sp>
+      <p:sp>
+        <p:nvSpPr>
+          <p:cNvPr id="3" name="Notes Placeholder 2"/>
+          <p:cNvSpPr>
+            <a:spLocks noGrp="1"/>
+          </p:cNvSpPr>
+          <p:nvPr>
+            <p:ph type="body" idx="1"/>
+          </p:nvPr>
+        </p:nvSpPr>
+        <p:spPr/>
+        <p:txBody>
+          <a:bodyPr/>
+          <a:lstStyle/>
+          <a:p>
+            <a:pPr marL="0" marR="0" lvl="0" indent="0" algn="l" defTabSz="914400" rtl="0" eaLnBrk="1" fontAlgn="auto" latinLnBrk="0" hangingPunct="1">
+              <a:lnSpc>
+                <a:spcPct val="100000"/>
+              </a:lnSpc>
+              <a:spcBef>
+                <a:spcPts val="0"/>
+              </a:spcBef>
+              <a:spcAft>
+                <a:spcPts val="0"/>
+              </a:spcAft>
+              <a:buClrTx/>
+              <a:buSzTx/>
+              <a:buFontTx/>
+              <a:buNone/>
+              <a:tabLst/>
+              <a:defRPr/>
+            </a:pPr>
+            <a:r>
+              <a:rPr lang="en-IN" dirty="0"/>
+              <a:t>For Reference https://www.studytonight.com/java-examples/java-11-new-features</a:t>
+            </a:r>
+          </a:p>
+          <a:p>
+            <a:endParaRPr lang="en-US" b="0" i="0" dirty="0">
+              <a:solidFill>
+                <a:srgbClr val="212529"/>
+              </a:solidFill>
+              <a:effectLst/>
+              <a:latin typeface="system-ui"/>
+            </a:endParaRPr>
+          </a:p>
+          <a:p>
+            <a:r>
+              <a:rPr lang="en-US" b="0" i="0" dirty="0">
+                <a:solidFill>
+                  <a:srgbClr val="212529"/>
+                </a:solidFill>
+                <a:effectLst/>
+                <a:latin typeface="system-ui"/>
+              </a:rPr>
+              <a:t>Let's use this method to create two predicates that perform opposite tasks.</a:t>
+            </a:r>
+            <a:endParaRPr lang="en-IN" dirty="0"/>
+          </a:p>
+        </p:txBody>
+      </p:sp>
+      <p:sp>
+        <p:nvSpPr>
+          <p:cNvPr id="4" name="Slide Number Placeholder 3"/>
+          <p:cNvSpPr>
+            <a:spLocks noGrp="1"/>
+          </p:cNvSpPr>
+          <p:nvPr>
+            <p:ph type="sldNum" sz="quarter" idx="5"/>
+          </p:nvPr>
+        </p:nvSpPr>
+        <p:spPr/>
+        <p:txBody>
+          <a:bodyPr/>
+          <a:lstStyle/>
+          <a:p>
+            <a:fld id="{C6E4041A-54F1-41AE-B668-B0353CFB91C2}" type="slidenum">
+              <a:rPr lang="en-IN" smtClean="0"/>
+              <a:t>8</a:t>
+            </a:fld>
+            <a:endParaRPr lang="en-IN"/>
+          </a:p>
+        </p:txBody>
+      </p:sp>
+    </p:spTree>
+    <p:extLst>
+      <p:ext uri="{BB962C8B-B14F-4D97-AF65-F5344CB8AC3E}">
+        <p14:creationId xmlns:p14="http://schemas.microsoft.com/office/powerpoint/2010/main" val="2223029576"/>
+      </p:ext>
+    </p:extLst>
+  </p:cSld>
+  <p:clrMapOvr>
+    <a:masterClrMapping/>
+  </p:clrMapOvr>
+</p:notes>
+</file>
+
+<file path=ppt/notesSlides/notesSlide7.xml><?xml version="1.0" encoding="utf-8"?>
+<p:notes xmlns:a="http://schemas.openxmlformats.org/drawingml/2006/main" xmlns:r="http://schemas.openxmlformats.org/officeDocument/2006/relationships" xmlns:p="http://schemas.openxmlformats.org/presentationml/2006/main">
+  <p:cSld>
+    <p:spTree>
+      <p:nvGrpSpPr>
+        <p:cNvPr id="1" name=""/>
+        <p:cNvGrpSpPr/>
+        <p:nvPr/>
+      </p:nvGrpSpPr>
+      <p:grpSpPr>
+        <a:xfrm>
+          <a:off x="0" y="0"/>
+          <a:ext cx="0" cy="0"/>
+          <a:chOff x="0" y="0"/>
+          <a:chExt cx="0" cy="0"/>
+        </a:xfrm>
+      </p:grpSpPr>
+      <p:sp>
+        <p:nvSpPr>
+          <p:cNvPr id="2" name="Slide Image Placeholder 1"/>
+          <p:cNvSpPr>
+            <a:spLocks noGrp="1" noRot="1" noChangeAspect="1"/>
+          </p:cNvSpPr>
+          <p:nvPr>
+            <p:ph type="sldImg"/>
+          </p:nvPr>
+        </p:nvSpPr>
+        <p:spPr/>
+      </p:sp>
+      <p:sp>
+        <p:nvSpPr>
+          <p:cNvPr id="3" name="Notes Placeholder 2"/>
+          <p:cNvSpPr>
+            <a:spLocks noGrp="1"/>
+          </p:cNvSpPr>
+          <p:nvPr>
+            <p:ph type="body" idx="1"/>
+          </p:nvPr>
+        </p:nvSpPr>
+        <p:spPr/>
+        <p:txBody>
+          <a:bodyPr/>
+          <a:lstStyle/>
+          <a:p>
+            <a:pPr marL="0" marR="0" lvl="0" indent="0" algn="l" defTabSz="914400" rtl="0" eaLnBrk="1" fontAlgn="auto" latinLnBrk="0" hangingPunct="1">
+              <a:lnSpc>
+                <a:spcPct val="100000"/>
+              </a:lnSpc>
+              <a:spcBef>
+                <a:spcPts val="0"/>
+              </a:spcBef>
+              <a:spcAft>
+                <a:spcPts val="0"/>
+              </a:spcAft>
+              <a:buClrTx/>
+              <a:buSzTx/>
+              <a:buFontTx/>
+              <a:buNone/>
+              <a:tabLst/>
+              <a:defRPr/>
+            </a:pPr>
+            <a:r>
+              <a:rPr lang="en-IN" dirty="0"/>
+              <a:t>For Reference https://www.studytonight.com/java-examples/java-11-new-features</a:t>
+            </a:r>
+          </a:p>
+          <a:p>
+            <a:endParaRPr lang="en-IN" dirty="0"/>
+          </a:p>
+        </p:txBody>
+      </p:sp>
+      <p:sp>
+        <p:nvSpPr>
+          <p:cNvPr id="4" name="Slide Number Placeholder 3"/>
+          <p:cNvSpPr>
+            <a:spLocks noGrp="1"/>
+          </p:cNvSpPr>
+          <p:nvPr>
+            <p:ph type="sldNum" sz="quarter" idx="5"/>
+          </p:nvPr>
+        </p:nvSpPr>
+        <p:spPr/>
+        <p:txBody>
+          <a:bodyPr/>
+          <a:lstStyle/>
+          <a:p>
+            <a:fld id="{C6E4041A-54F1-41AE-B668-B0353CFB91C2}" type="slidenum">
+              <a:rPr lang="en-IN" smtClean="0"/>
+              <a:t>9</a:t>
+            </a:fld>
+            <a:endParaRPr lang="en-IN"/>
+          </a:p>
+        </p:txBody>
+      </p:sp>
+    </p:spTree>
+    <p:extLst>
+      <p:ext uri="{BB962C8B-B14F-4D97-AF65-F5344CB8AC3E}">
+        <p14:creationId xmlns:p14="http://schemas.microsoft.com/office/powerpoint/2010/main" val="901906870"/>
+      </p:ext>
+    </p:extLst>
+  </p:cSld>
+  <p:clrMapOvr>
+    <a:masterClrMapping/>
+  </p:clrMapOvr>
+</p:notes>
+</file>
+
+<file path=ppt/notesSlides/notesSlide8.xml><?xml version="1.0" encoding="utf-8"?>
+<p:notes xmlns:a="http://schemas.openxmlformats.org/drawingml/2006/main" xmlns:r="http://schemas.openxmlformats.org/officeDocument/2006/relationships" xmlns:p="http://schemas.openxmlformats.org/presentationml/2006/main">
+  <p:cSld>
+    <p:spTree>
+      <p:nvGrpSpPr>
+        <p:cNvPr id="1" name=""/>
+        <p:cNvGrpSpPr/>
+        <p:nvPr/>
+      </p:nvGrpSpPr>
+      <p:grpSpPr>
+        <a:xfrm>
+          <a:off x="0" y="0"/>
+          <a:ext cx="0" cy="0"/>
+          <a:chOff x="0" y="0"/>
+          <a:chExt cx="0" cy="0"/>
+        </a:xfrm>
+      </p:grpSpPr>
+      <p:sp>
+        <p:nvSpPr>
+          <p:cNvPr id="2" name="Slide Image Placeholder 1"/>
+          <p:cNvSpPr>
+            <a:spLocks noGrp="1" noRot="1" noChangeAspect="1"/>
+          </p:cNvSpPr>
+          <p:nvPr>
+            <p:ph type="sldImg"/>
+          </p:nvPr>
+        </p:nvSpPr>
+        <p:spPr/>
+      </p:sp>
+      <p:sp>
+        <p:nvSpPr>
+          <p:cNvPr id="3" name="Notes Placeholder 2"/>
+          <p:cNvSpPr>
+            <a:spLocks noGrp="1"/>
+          </p:cNvSpPr>
+          <p:nvPr>
+            <p:ph type="body" idx="1"/>
+          </p:nvPr>
+        </p:nvSpPr>
+        <p:spPr/>
+        <p:txBody>
+          <a:bodyPr/>
+          <a:lstStyle/>
+          <a:p>
+            <a:pPr marL="0" marR="0" lvl="0" indent="0" algn="l" defTabSz="914400" rtl="0" eaLnBrk="1" fontAlgn="auto" latinLnBrk="0" hangingPunct="1">
+              <a:lnSpc>
+                <a:spcPct val="100000"/>
+              </a:lnSpc>
+              <a:spcBef>
+                <a:spcPts val="0"/>
+              </a:spcBef>
+              <a:spcAft>
+                <a:spcPts val="0"/>
+              </a:spcAft>
+              <a:buClrTx/>
+              <a:buSzTx/>
+              <a:buFontTx/>
+              <a:buNone/>
+              <a:tabLst/>
+              <a:defRPr/>
+            </a:pPr>
+            <a:r>
+              <a:rPr lang="en-IN" dirty="0"/>
+              <a:t>For Reference https://www.studytonight.com/java-examples/java-11-new-features</a:t>
+            </a:r>
+          </a:p>
+          <a:p>
+            <a:endParaRPr lang="en-IN" dirty="0"/>
+          </a:p>
+        </p:txBody>
+      </p:sp>
+      <p:sp>
+        <p:nvSpPr>
+          <p:cNvPr id="4" name="Slide Number Placeholder 3"/>
+          <p:cNvSpPr>
+            <a:spLocks noGrp="1"/>
+          </p:cNvSpPr>
+          <p:nvPr>
+            <p:ph type="sldNum" sz="quarter" idx="5"/>
+          </p:nvPr>
+        </p:nvSpPr>
+        <p:spPr/>
+        <p:txBody>
+          <a:bodyPr/>
+          <a:lstStyle/>
+          <a:p>
+            <a:fld id="{C6E4041A-54F1-41AE-B668-B0353CFB91C2}" type="slidenum">
+              <a:rPr lang="en-IN" smtClean="0"/>
+              <a:t>10</a:t>
+            </a:fld>
+            <a:endParaRPr lang="en-IN"/>
+          </a:p>
+        </p:txBody>
+      </p:sp>
+    </p:spTree>
+    <p:extLst>
+      <p:ext uri="{BB962C8B-B14F-4D97-AF65-F5344CB8AC3E}">
+        <p14:creationId xmlns:p14="http://schemas.microsoft.com/office/powerpoint/2010/main" val="2484061237"/>
+      </p:ext>
+    </p:extLst>
+  </p:cSld>
+  <p:clrMapOvr>
+    <a:masterClrMapping/>
+  </p:clrMapOvr>
+</p:notes>
+</file>
+
+<file path=ppt/notesSlides/notesSlide9.xml><?xml version="1.0" encoding="utf-8"?>
+<p:notes xmlns:a="http://schemas.openxmlformats.org/drawingml/2006/main" xmlns:r="http://schemas.openxmlformats.org/officeDocument/2006/relationships" xmlns:p="http://schemas.openxmlformats.org/presentationml/2006/main">
+  <p:cSld>
+    <p:spTree>
+      <p:nvGrpSpPr>
+        <p:cNvPr id="1" name=""/>
+        <p:cNvGrpSpPr/>
+        <p:nvPr/>
+      </p:nvGrpSpPr>
+      <p:grpSpPr>
+        <a:xfrm>
+          <a:off x="0" y="0"/>
+          <a:ext cx="0" cy="0"/>
+          <a:chOff x="0" y="0"/>
+          <a:chExt cx="0" cy="0"/>
+        </a:xfrm>
+      </p:grpSpPr>
+      <p:sp>
+        <p:nvSpPr>
+          <p:cNvPr id="2" name="Slide Image Placeholder 1"/>
+          <p:cNvSpPr>
+            <a:spLocks noGrp="1" noRot="1" noChangeAspect="1"/>
+          </p:cNvSpPr>
+          <p:nvPr>
+            <p:ph type="sldImg"/>
+          </p:nvPr>
+        </p:nvSpPr>
+        <p:spPr/>
+      </p:sp>
+      <p:sp>
+        <p:nvSpPr>
+          <p:cNvPr id="3" name="Notes Placeholder 2"/>
+          <p:cNvSpPr>
+            <a:spLocks noGrp="1"/>
+          </p:cNvSpPr>
+          <p:nvPr>
+            <p:ph type="body" idx="1"/>
+          </p:nvPr>
+        </p:nvSpPr>
+        <p:spPr/>
+        <p:txBody>
+          <a:bodyPr/>
+          <a:lstStyle/>
+          <a:p>
+            <a:pPr marL="0" marR="0" lvl="0" indent="0" algn="l" defTabSz="914400" rtl="0" eaLnBrk="1" fontAlgn="auto" latinLnBrk="0" hangingPunct="1">
+              <a:lnSpc>
+                <a:spcPct val="100000"/>
+              </a:lnSpc>
+              <a:spcBef>
+                <a:spcPts val="0"/>
+              </a:spcBef>
+              <a:spcAft>
+                <a:spcPts val="0"/>
+              </a:spcAft>
+              <a:buClrTx/>
+              <a:buSzTx/>
+              <a:buFontTx/>
+              <a:buNone/>
+              <a:tabLst/>
+              <a:defRPr/>
+            </a:pPr>
+            <a:r>
+              <a:rPr lang="en-IN" dirty="0"/>
+              <a:t>For Reference https://www.studytonight.com/java-examples/java-11-new-features</a:t>
+            </a:r>
+          </a:p>
+          <a:p>
+            <a:endParaRPr lang="en-IN" dirty="0"/>
+          </a:p>
+        </p:txBody>
+      </p:sp>
+      <p:sp>
+        <p:nvSpPr>
+          <p:cNvPr id="4" name="Slide Number Placeholder 3"/>
+          <p:cNvSpPr>
+            <a:spLocks noGrp="1"/>
+          </p:cNvSpPr>
+          <p:nvPr>
+            <p:ph type="sldNum" sz="quarter" idx="5"/>
+          </p:nvPr>
+        </p:nvSpPr>
+        <p:spPr/>
+        <p:txBody>
+          <a:bodyPr/>
+          <a:lstStyle/>
+          <a:p>
+            <a:fld id="{C6E4041A-54F1-41AE-B668-B0353CFB91C2}" type="slidenum">
+              <a:rPr lang="en-IN" smtClean="0"/>
+              <a:t>11</a:t>
+            </a:fld>
+            <a:endParaRPr lang="en-IN"/>
+          </a:p>
+        </p:txBody>
+      </p:sp>
+    </p:spTree>
+    <p:extLst>
+      <p:ext uri="{BB962C8B-B14F-4D97-AF65-F5344CB8AC3E}">
+        <p14:creationId xmlns:p14="http://schemas.microsoft.com/office/powerpoint/2010/main" val="161161783"/>
+      </p:ext>
+    </p:extLst>
+  </p:cSld>
+  <p:clrMapOvr>
+    <a:masterClrMapping/>
+  </p:clrMapOvr>
+</p:notes>
 </file>
 
 <file path=ppt/slideLayouts/slideLayout1.xml><?xml version="1.0" encoding="utf-8"?>
@@ -257,7 +1911,7 @@
           <a:p>
             <a:fld id="{71A8B9BB-9AEB-4F21-A3F9-82125C8F4B96}" type="datetimeFigureOut">
               <a:rPr lang="en-IN" smtClean="0"/>
-              <a:t>06-06-2023</a:t>
+              <a:t>07-06-2023</a:t>
             </a:fld>
             <a:endParaRPr lang="en-IN"/>
           </a:p>
@@ -457,7 +2111,7 @@
           <a:p>
             <a:fld id="{71A8B9BB-9AEB-4F21-A3F9-82125C8F4B96}" type="datetimeFigureOut">
               <a:rPr lang="en-IN" smtClean="0"/>
-              <a:t>06-06-2023</a:t>
+              <a:t>07-06-2023</a:t>
             </a:fld>
             <a:endParaRPr lang="en-IN"/>
           </a:p>
@@ -667,7 +2321,7 @@
           <a:p>
             <a:fld id="{71A8B9BB-9AEB-4F21-A3F9-82125C8F4B96}" type="datetimeFigureOut">
               <a:rPr lang="en-IN" smtClean="0"/>
-              <a:t>06-06-2023</a:t>
+              <a:t>07-06-2023</a:t>
             </a:fld>
             <a:endParaRPr lang="en-IN"/>
           </a:p>
@@ -867,7 +2521,7 @@
           <a:p>
             <a:fld id="{71A8B9BB-9AEB-4F21-A3F9-82125C8F4B96}" type="datetimeFigureOut">
               <a:rPr lang="en-IN" smtClean="0"/>
-              <a:t>06-06-2023</a:t>
+              <a:t>07-06-2023</a:t>
             </a:fld>
             <a:endParaRPr lang="en-IN"/>
           </a:p>
@@ -1143,7 +2797,7 @@
           <a:p>
             <a:fld id="{71A8B9BB-9AEB-4F21-A3F9-82125C8F4B96}" type="datetimeFigureOut">
               <a:rPr lang="en-IN" smtClean="0"/>
-              <a:t>06-06-2023</a:t>
+              <a:t>07-06-2023</a:t>
             </a:fld>
             <a:endParaRPr lang="en-IN"/>
           </a:p>
@@ -1411,7 +3065,7 @@
           <a:p>
             <a:fld id="{71A8B9BB-9AEB-4F21-A3F9-82125C8F4B96}" type="datetimeFigureOut">
               <a:rPr lang="en-IN" smtClean="0"/>
-              <a:t>06-06-2023</a:t>
+              <a:t>07-06-2023</a:t>
             </a:fld>
             <a:endParaRPr lang="en-IN"/>
           </a:p>
@@ -1826,7 +3480,7 @@
           <a:p>
             <a:fld id="{71A8B9BB-9AEB-4F21-A3F9-82125C8F4B96}" type="datetimeFigureOut">
               <a:rPr lang="en-IN" smtClean="0"/>
-              <a:t>06-06-2023</a:t>
+              <a:t>07-06-2023</a:t>
             </a:fld>
             <a:endParaRPr lang="en-IN"/>
           </a:p>
@@ -1968,7 +3622,7 @@
           <a:p>
             <a:fld id="{71A8B9BB-9AEB-4F21-A3F9-82125C8F4B96}" type="datetimeFigureOut">
               <a:rPr lang="en-IN" smtClean="0"/>
-              <a:t>06-06-2023</a:t>
+              <a:t>07-06-2023</a:t>
             </a:fld>
             <a:endParaRPr lang="en-IN"/>
           </a:p>
@@ -2081,7 +3735,7 @@
           <a:p>
             <a:fld id="{71A8B9BB-9AEB-4F21-A3F9-82125C8F4B96}" type="datetimeFigureOut">
               <a:rPr lang="en-IN" smtClean="0"/>
-              <a:t>06-06-2023</a:t>
+              <a:t>07-06-2023</a:t>
             </a:fld>
             <a:endParaRPr lang="en-IN"/>
           </a:p>
@@ -2394,7 +4048,7 @@
           <a:p>
             <a:fld id="{71A8B9BB-9AEB-4F21-A3F9-82125C8F4B96}" type="datetimeFigureOut">
               <a:rPr lang="en-IN" smtClean="0"/>
-              <a:t>06-06-2023</a:t>
+              <a:t>07-06-2023</a:t>
             </a:fld>
             <a:endParaRPr lang="en-IN"/>
           </a:p>
@@ -2683,7 +4337,7 @@
           <a:p>
             <a:fld id="{71A8B9BB-9AEB-4F21-A3F9-82125C8F4B96}" type="datetimeFigureOut">
               <a:rPr lang="en-IN" smtClean="0"/>
-              <a:t>06-06-2023</a:t>
+              <a:t>07-06-2023</a:t>
             </a:fld>
             <a:endParaRPr lang="en-IN"/>
           </a:p>
@@ -2926,7 +4580,7 @@
           <a:p>
             <a:fld id="{71A8B9BB-9AEB-4F21-A3F9-82125C8F4B96}" type="datetimeFigureOut">
               <a:rPr lang="en-IN" smtClean="0"/>
-              <a:t>06-06-2023</a:t>
+              <a:t>07-06-2023</a:t>
             </a:fld>
             <a:endParaRPr lang="en-IN"/>
           </a:p>
@@ -3366,7 +5020,7 @@
           <a:p>
             <a:r>
               <a:rPr lang="en-IN" dirty="0"/>
-              <a:t>Java 11 Features</a:t>
+              <a:t>Java 11 &amp; 17 Features</a:t>
             </a:r>
           </a:p>
         </p:txBody>
@@ -3400,6 +5054,770 @@
     <p:extLst>
       <p:ext uri="{BB962C8B-B14F-4D97-AF65-F5344CB8AC3E}">
         <p14:creationId xmlns:p14="http://schemas.microsoft.com/office/powerpoint/2010/main" val="1223555579"/>
+      </p:ext>
+    </p:extLst>
+  </p:cSld>
+  <p:clrMapOvr>
+    <a:masterClrMapping/>
+  </p:clrMapOvr>
+</p:sld>
+</file>
+
+<file path=ppt/slides/slide10.xml><?xml version="1.0" encoding="utf-8"?>
+<p:sld xmlns:a="http://schemas.openxmlformats.org/drawingml/2006/main" xmlns:r="http://schemas.openxmlformats.org/officeDocument/2006/relationships" xmlns:p="http://schemas.openxmlformats.org/presentationml/2006/main">
+  <p:cSld>
+    <p:spTree>
+      <p:nvGrpSpPr>
+        <p:cNvPr id="1" name=""/>
+        <p:cNvGrpSpPr/>
+        <p:nvPr/>
+      </p:nvGrpSpPr>
+      <p:grpSpPr>
+        <a:xfrm>
+          <a:off x="0" y="0"/>
+          <a:ext cx="0" cy="0"/>
+          <a:chOff x="0" y="0"/>
+          <a:chExt cx="0" cy="0"/>
+        </a:xfrm>
+      </p:grpSpPr>
+      <p:sp>
+        <p:nvSpPr>
+          <p:cNvPr id="2" name="Title 1">
+            <a:extLst>
+              <a:ext uri="{FF2B5EF4-FFF2-40B4-BE49-F238E27FC236}">
+                <a16:creationId xmlns:a16="http://schemas.microsoft.com/office/drawing/2014/main" id="{88335A16-3C37-D640-757B-97E8776EA5CF}"/>
+              </a:ext>
+            </a:extLst>
+          </p:cNvPr>
+          <p:cNvSpPr>
+            <a:spLocks noGrp="1"/>
+          </p:cNvSpPr>
+          <p:nvPr>
+            <p:ph type="title"/>
+          </p:nvPr>
+        </p:nvSpPr>
+        <p:spPr/>
+        <p:txBody>
+          <a:bodyPr/>
+          <a:lstStyle/>
+          <a:p>
+            <a:r>
+              <a:rPr lang="en-IN" dirty="0"/>
+              <a:t>Local-Variable Syntax for Lambda</a:t>
+            </a:r>
+          </a:p>
+        </p:txBody>
+      </p:sp>
+      <p:sp>
+        <p:nvSpPr>
+          <p:cNvPr id="3" name="Content Placeholder 2">
+            <a:extLst>
+              <a:ext uri="{FF2B5EF4-FFF2-40B4-BE49-F238E27FC236}">
+                <a16:creationId xmlns:a16="http://schemas.microsoft.com/office/drawing/2014/main" id="{74EA35C8-8CE2-0F15-E331-F7661DDEBDE0}"/>
+              </a:ext>
+            </a:extLst>
+          </p:cNvPr>
+          <p:cNvSpPr>
+            <a:spLocks noGrp="1"/>
+          </p:cNvSpPr>
+          <p:nvPr>
+            <p:ph idx="1"/>
+          </p:nvPr>
+        </p:nvSpPr>
+        <p:spPr/>
+        <p:txBody>
+          <a:bodyPr/>
+          <a:lstStyle/>
+          <a:p>
+            <a:r>
+              <a:rPr lang="en-US" dirty="0"/>
+              <a:t>Java 11 adds the support for Local-Variable syntax for lambda expressions. </a:t>
+            </a:r>
+          </a:p>
+          <a:p>
+            <a:r>
+              <a:rPr lang="en-US" dirty="0"/>
+              <a:t>Lambdas can infer the type, but using the var keyword allows us to use annotations like @NotNull or @Nullable with the parameters.</a:t>
+            </a:r>
+          </a:p>
+          <a:p>
+            <a:pPr marL="457200" lvl="1" indent="0">
+              <a:buNone/>
+            </a:pPr>
+            <a:endParaRPr lang="en-IN" dirty="0"/>
+          </a:p>
+          <a:p>
+            <a:pPr marL="457200" lvl="1" indent="0">
+              <a:buNone/>
+            </a:pPr>
+            <a:r>
+              <a:rPr lang="en-IN" dirty="0"/>
+              <a:t>(@NotNull var str) -&gt; "$" + str</a:t>
+            </a:r>
+          </a:p>
+        </p:txBody>
+      </p:sp>
+    </p:spTree>
+    <p:extLst>
+      <p:ext uri="{BB962C8B-B14F-4D97-AF65-F5344CB8AC3E}">
+        <p14:creationId xmlns:p14="http://schemas.microsoft.com/office/powerpoint/2010/main" val="711011506"/>
+      </p:ext>
+    </p:extLst>
+  </p:cSld>
+  <p:clrMapOvr>
+    <a:masterClrMapping/>
+  </p:clrMapOvr>
+</p:sld>
+</file>
+
+<file path=ppt/slides/slide11.xml><?xml version="1.0" encoding="utf-8"?>
+<p:sld xmlns:a="http://schemas.openxmlformats.org/drawingml/2006/main" xmlns:r="http://schemas.openxmlformats.org/officeDocument/2006/relationships" xmlns:p="http://schemas.openxmlformats.org/presentationml/2006/main">
+  <p:cSld>
+    <p:spTree>
+      <p:nvGrpSpPr>
+        <p:cNvPr id="1" name=""/>
+        <p:cNvGrpSpPr/>
+        <p:nvPr/>
+      </p:nvGrpSpPr>
+      <p:grpSpPr>
+        <a:xfrm>
+          <a:off x="0" y="0"/>
+          <a:ext cx="0" cy="0"/>
+          <a:chOff x="0" y="0"/>
+          <a:chExt cx="0" cy="0"/>
+        </a:xfrm>
+      </p:grpSpPr>
+      <p:sp>
+        <p:nvSpPr>
+          <p:cNvPr id="2" name="Title 1">
+            <a:extLst>
+              <a:ext uri="{FF2B5EF4-FFF2-40B4-BE49-F238E27FC236}">
+                <a16:creationId xmlns:a16="http://schemas.microsoft.com/office/drawing/2014/main" id="{44857839-7652-EE3C-CD42-2AD31193D414}"/>
+              </a:ext>
+            </a:extLst>
+          </p:cNvPr>
+          <p:cNvSpPr>
+            <a:spLocks noGrp="1"/>
+          </p:cNvSpPr>
+          <p:nvPr>
+            <p:ph type="title"/>
+          </p:nvPr>
+        </p:nvSpPr>
+        <p:spPr/>
+        <p:txBody>
+          <a:bodyPr/>
+          <a:lstStyle/>
+          <a:p>
+            <a:r>
+              <a:rPr lang="en-IN" dirty="0"/>
+              <a:t>Dynamic Class-File Constants</a:t>
+            </a:r>
+          </a:p>
+        </p:txBody>
+      </p:sp>
+      <p:sp>
+        <p:nvSpPr>
+          <p:cNvPr id="3" name="Content Placeholder 2">
+            <a:extLst>
+              <a:ext uri="{FF2B5EF4-FFF2-40B4-BE49-F238E27FC236}">
+                <a16:creationId xmlns:a16="http://schemas.microsoft.com/office/drawing/2014/main" id="{D9A57647-6903-97D8-6851-0A42F6F5B527}"/>
+              </a:ext>
+            </a:extLst>
+          </p:cNvPr>
+          <p:cNvSpPr>
+            <a:spLocks noGrp="1"/>
+          </p:cNvSpPr>
+          <p:nvPr>
+            <p:ph idx="1"/>
+          </p:nvPr>
+        </p:nvSpPr>
+        <p:spPr/>
+        <p:txBody>
+          <a:bodyPr/>
+          <a:lstStyle/>
+          <a:p>
+            <a:r>
+              <a:rPr lang="en-US" dirty="0"/>
+              <a:t>In Java 11, the Java Class-File format supports a new constant pool form called the </a:t>
+            </a:r>
+            <a:r>
+              <a:rPr lang="en-US" dirty="0" err="1"/>
+              <a:t>CONSTANT_Dynamic</a:t>
+            </a:r>
+            <a:r>
+              <a:rPr lang="en-US" dirty="0"/>
+              <a:t>. </a:t>
+            </a:r>
+          </a:p>
+          <a:p>
+            <a:r>
+              <a:rPr lang="en-US" dirty="0"/>
+              <a:t>This will delegate creation to a bootstrap method. </a:t>
+            </a:r>
+          </a:p>
+          <a:p>
+            <a:r>
+              <a:rPr lang="en-US" dirty="0"/>
+              <a:t>This was introduced to reduce the cost of creating new forms of materializable class-file constants by creating a single new constant-pool form that will be parameterized with appropriate user-defined behavior. </a:t>
+            </a:r>
+          </a:p>
+          <a:p>
+            <a:r>
+              <a:rPr lang="en-US" dirty="0"/>
+              <a:t>This feature greatly enhances the performance.</a:t>
+            </a:r>
+            <a:endParaRPr lang="en-IN" dirty="0"/>
+          </a:p>
+        </p:txBody>
+      </p:sp>
+    </p:spTree>
+    <p:extLst>
+      <p:ext uri="{BB962C8B-B14F-4D97-AF65-F5344CB8AC3E}">
+        <p14:creationId xmlns:p14="http://schemas.microsoft.com/office/powerpoint/2010/main" val="387761423"/>
+      </p:ext>
+    </p:extLst>
+  </p:cSld>
+  <p:clrMapOvr>
+    <a:masterClrMapping/>
+  </p:clrMapOvr>
+</p:sld>
+</file>
+
+<file path=ppt/slides/slide12.xml><?xml version="1.0" encoding="utf-8"?>
+<p:sld xmlns:a="http://schemas.openxmlformats.org/drawingml/2006/main" xmlns:r="http://schemas.openxmlformats.org/officeDocument/2006/relationships" xmlns:p="http://schemas.openxmlformats.org/presentationml/2006/main">
+  <p:cSld>
+    <p:spTree>
+      <p:nvGrpSpPr>
+        <p:cNvPr id="1" name=""/>
+        <p:cNvGrpSpPr/>
+        <p:nvPr/>
+      </p:nvGrpSpPr>
+      <p:grpSpPr>
+        <a:xfrm>
+          <a:off x="0" y="0"/>
+          <a:ext cx="0" cy="0"/>
+          <a:chOff x="0" y="0"/>
+          <a:chExt cx="0" cy="0"/>
+        </a:xfrm>
+      </p:grpSpPr>
+      <p:sp>
+        <p:nvSpPr>
+          <p:cNvPr id="2" name="Title 1">
+            <a:extLst>
+              <a:ext uri="{FF2B5EF4-FFF2-40B4-BE49-F238E27FC236}">
+                <a16:creationId xmlns:a16="http://schemas.microsoft.com/office/drawing/2014/main" id="{4FC59181-75BD-FA90-DF3A-85DCFED0D8B8}"/>
+              </a:ext>
+            </a:extLst>
+          </p:cNvPr>
+          <p:cNvSpPr>
+            <a:spLocks noGrp="1"/>
+          </p:cNvSpPr>
+          <p:nvPr>
+            <p:ph type="title"/>
+          </p:nvPr>
+        </p:nvSpPr>
+        <p:spPr/>
+        <p:txBody>
+          <a:bodyPr/>
+          <a:lstStyle/>
+          <a:p>
+            <a:r>
+              <a:rPr lang="en-IN" dirty="0"/>
+              <a:t>Improved Aarch64 </a:t>
+            </a:r>
+            <a:r>
+              <a:rPr lang="en-IN" dirty="0" err="1"/>
+              <a:t>Intrinsics</a:t>
+            </a:r>
+            <a:endParaRPr lang="en-IN" dirty="0"/>
+          </a:p>
+        </p:txBody>
+      </p:sp>
+      <p:sp>
+        <p:nvSpPr>
+          <p:cNvPr id="3" name="Content Placeholder 2">
+            <a:extLst>
+              <a:ext uri="{FF2B5EF4-FFF2-40B4-BE49-F238E27FC236}">
+                <a16:creationId xmlns:a16="http://schemas.microsoft.com/office/drawing/2014/main" id="{B34CD698-C4C3-C045-6495-B96D987F918A}"/>
+              </a:ext>
+            </a:extLst>
+          </p:cNvPr>
+          <p:cNvSpPr>
+            <a:spLocks noGrp="1"/>
+          </p:cNvSpPr>
+          <p:nvPr>
+            <p:ph idx="1"/>
+          </p:nvPr>
+        </p:nvSpPr>
+        <p:spPr/>
+        <p:txBody>
+          <a:bodyPr/>
+          <a:lstStyle/>
+          <a:p>
+            <a:r>
+              <a:rPr lang="en-US" dirty="0"/>
+              <a:t>An Intrinsic is a function that is handled in some special way by the compiler. </a:t>
+            </a:r>
+          </a:p>
+          <a:p>
+            <a:r>
+              <a:rPr lang="en-US" dirty="0"/>
+              <a:t>They take advantage of the CPU architecture-specific assembly code to improve performance.</a:t>
+            </a:r>
+          </a:p>
+          <a:p>
+            <a:endParaRPr lang="en-US" dirty="0"/>
+          </a:p>
+          <a:p>
+            <a:r>
+              <a:rPr lang="en-US" dirty="0"/>
+              <a:t>Java 11 improved and optimized the existing string and array intrinsic on AArch64(or ARM64) processors. </a:t>
+            </a:r>
+          </a:p>
+          <a:p>
+            <a:r>
+              <a:rPr lang="en-US" dirty="0"/>
+              <a:t>Java 11 also added new </a:t>
+            </a:r>
+            <a:r>
+              <a:rPr lang="en-US" dirty="0" err="1"/>
+              <a:t>intrinsics</a:t>
+            </a:r>
+            <a:r>
+              <a:rPr lang="en-US" dirty="0"/>
+              <a:t> for sin, cos, and log methods of the </a:t>
+            </a:r>
+            <a:r>
+              <a:rPr lang="en-US" dirty="0" err="1"/>
+              <a:t>java.lang.Math</a:t>
+            </a:r>
+            <a:r>
+              <a:rPr lang="en-US" dirty="0"/>
+              <a:t>.</a:t>
+            </a:r>
+            <a:endParaRPr lang="en-IN" dirty="0"/>
+          </a:p>
+        </p:txBody>
+      </p:sp>
+    </p:spTree>
+    <p:extLst>
+      <p:ext uri="{BB962C8B-B14F-4D97-AF65-F5344CB8AC3E}">
+        <p14:creationId xmlns:p14="http://schemas.microsoft.com/office/powerpoint/2010/main" val="1211152504"/>
+      </p:ext>
+    </p:extLst>
+  </p:cSld>
+  <p:clrMapOvr>
+    <a:masterClrMapping/>
+  </p:clrMapOvr>
+</p:sld>
+</file>
+
+<file path=ppt/slides/slide13.xml><?xml version="1.0" encoding="utf-8"?>
+<p:sld xmlns:a="http://schemas.openxmlformats.org/drawingml/2006/main" xmlns:r="http://schemas.openxmlformats.org/officeDocument/2006/relationships" xmlns:p="http://schemas.openxmlformats.org/presentationml/2006/main">
+  <p:cSld>
+    <p:spTree>
+      <p:nvGrpSpPr>
+        <p:cNvPr id="1" name=""/>
+        <p:cNvGrpSpPr/>
+        <p:nvPr/>
+      </p:nvGrpSpPr>
+      <p:grpSpPr>
+        <a:xfrm>
+          <a:off x="0" y="0"/>
+          <a:ext cx="0" cy="0"/>
+          <a:chOff x="0" y="0"/>
+          <a:chExt cx="0" cy="0"/>
+        </a:xfrm>
+      </p:grpSpPr>
+      <p:sp>
+        <p:nvSpPr>
+          <p:cNvPr id="2" name="Title 1">
+            <a:extLst>
+              <a:ext uri="{FF2B5EF4-FFF2-40B4-BE49-F238E27FC236}">
+                <a16:creationId xmlns:a16="http://schemas.microsoft.com/office/drawing/2014/main" id="{A7E41956-211F-706D-1BDC-EFA93020BB92}"/>
+              </a:ext>
+            </a:extLst>
+          </p:cNvPr>
+          <p:cNvSpPr>
+            <a:spLocks noGrp="1"/>
+          </p:cNvSpPr>
+          <p:nvPr>
+            <p:ph type="title"/>
+          </p:nvPr>
+        </p:nvSpPr>
+        <p:spPr/>
+        <p:txBody>
+          <a:bodyPr/>
+          <a:lstStyle/>
+          <a:p>
+            <a:r>
+              <a:rPr lang="en-IN" dirty="0"/>
+              <a:t>Epsilon Garbage Collector</a:t>
+            </a:r>
+          </a:p>
+        </p:txBody>
+      </p:sp>
+      <p:sp>
+        <p:nvSpPr>
+          <p:cNvPr id="3" name="Content Placeholder 2">
+            <a:extLst>
+              <a:ext uri="{FF2B5EF4-FFF2-40B4-BE49-F238E27FC236}">
+                <a16:creationId xmlns:a16="http://schemas.microsoft.com/office/drawing/2014/main" id="{32DB21B2-F85D-0266-3399-5B3B45D34094}"/>
+              </a:ext>
+            </a:extLst>
+          </p:cNvPr>
+          <p:cNvSpPr>
+            <a:spLocks noGrp="1"/>
+          </p:cNvSpPr>
+          <p:nvPr>
+            <p:ph idx="1"/>
+          </p:nvPr>
+        </p:nvSpPr>
+        <p:spPr/>
+        <p:txBody>
+          <a:bodyPr>
+            <a:normAutofit fontScale="85000" lnSpcReduction="20000"/>
+          </a:bodyPr>
+          <a:lstStyle/>
+          <a:p>
+            <a:r>
+              <a:rPr lang="en-US" dirty="0"/>
+              <a:t>Java 11 introduced a no-operations(No-Op) garbage collector called Epsilon. This is an experimental feature. </a:t>
+            </a:r>
+          </a:p>
+          <a:p>
+            <a:r>
+              <a:rPr lang="en-US" dirty="0"/>
+              <a:t>It is called a No-Op garbage collector because it will allocate memory but will never collect any garbage. </a:t>
+            </a:r>
+          </a:p>
+          <a:p>
+            <a:r>
+              <a:rPr lang="en-US" dirty="0"/>
+              <a:t>We can use it for simulating Out-Of-Memory errors. </a:t>
+            </a:r>
+          </a:p>
+          <a:p>
+            <a:pPr marL="0" indent="0">
+              <a:buNone/>
+            </a:pPr>
+            <a:r>
+              <a:rPr lang="en-US" dirty="0"/>
+              <a:t>The following are some of its use cases.</a:t>
+            </a:r>
+          </a:p>
+          <a:p>
+            <a:pPr lvl="1"/>
+            <a:r>
+              <a:rPr lang="en-US" dirty="0"/>
+              <a:t>Performance testing</a:t>
+            </a:r>
+          </a:p>
+          <a:p>
+            <a:pPr lvl="1"/>
+            <a:r>
+              <a:rPr lang="en-US" dirty="0"/>
+              <a:t>Memory pressure testing</a:t>
+            </a:r>
+          </a:p>
+          <a:p>
+            <a:pPr lvl="1"/>
+            <a:r>
+              <a:rPr lang="en-US" dirty="0"/>
+              <a:t>VM interface testing and</a:t>
+            </a:r>
+          </a:p>
+          <a:p>
+            <a:pPr lvl="1"/>
+            <a:r>
+              <a:rPr lang="en-US" dirty="0"/>
+              <a:t>Extremely short-lived jobs</a:t>
+            </a:r>
+          </a:p>
+          <a:p>
+            <a:pPr lvl="1"/>
+            <a:r>
+              <a:rPr lang="en-US" dirty="0"/>
+              <a:t>Last-drop latency and throughput improvements</a:t>
+            </a:r>
+          </a:p>
+          <a:p>
+            <a:pPr lvl="1"/>
+            <a:endParaRPr lang="en-US" dirty="0"/>
+          </a:p>
+          <a:p>
+            <a:pPr marL="0" indent="0">
+              <a:buNone/>
+            </a:pPr>
+            <a:r>
+              <a:rPr lang="en-US" dirty="0"/>
+              <a:t>Use the following command to enable the Epsilon GC.</a:t>
+            </a:r>
+          </a:p>
+          <a:p>
+            <a:pPr marL="457200" lvl="1" indent="0">
+              <a:buNone/>
+            </a:pPr>
+            <a:r>
+              <a:rPr lang="en-IN" i="1" dirty="0"/>
+              <a:t>-XX:+</a:t>
+            </a:r>
+            <a:r>
+              <a:rPr lang="en-IN" i="1" dirty="0" err="1"/>
+              <a:t>UnlockExperimentalVMOptions</a:t>
+            </a:r>
+            <a:r>
+              <a:rPr lang="en-IN" i="1" dirty="0"/>
+              <a:t> -XX:+</a:t>
+            </a:r>
+            <a:r>
+              <a:rPr lang="en-IN" i="1" dirty="0" err="1"/>
+              <a:t>UseEpsilonGC</a:t>
+            </a:r>
+            <a:endParaRPr lang="en-IN" i="1" dirty="0"/>
+          </a:p>
+        </p:txBody>
+      </p:sp>
+    </p:spTree>
+    <p:extLst>
+      <p:ext uri="{BB962C8B-B14F-4D97-AF65-F5344CB8AC3E}">
+        <p14:creationId xmlns:p14="http://schemas.microsoft.com/office/powerpoint/2010/main" val="3128603212"/>
+      </p:ext>
+    </p:extLst>
+  </p:cSld>
+  <p:clrMapOvr>
+    <a:masterClrMapping/>
+  </p:clrMapOvr>
+</p:sld>
+</file>
+
+<file path=ppt/slides/slide14.xml><?xml version="1.0" encoding="utf-8"?>
+<p:sld xmlns:a="http://schemas.openxmlformats.org/drawingml/2006/main" xmlns:r="http://schemas.openxmlformats.org/officeDocument/2006/relationships" xmlns:p="http://schemas.openxmlformats.org/presentationml/2006/main">
+  <p:cSld>
+    <p:spTree>
+      <p:nvGrpSpPr>
+        <p:cNvPr id="1" name=""/>
+        <p:cNvGrpSpPr/>
+        <p:nvPr/>
+      </p:nvGrpSpPr>
+      <p:grpSpPr>
+        <a:xfrm>
+          <a:off x="0" y="0"/>
+          <a:ext cx="0" cy="0"/>
+          <a:chOff x="0" y="0"/>
+          <a:chExt cx="0" cy="0"/>
+        </a:xfrm>
+      </p:grpSpPr>
+      <p:sp>
+        <p:nvSpPr>
+          <p:cNvPr id="2" name="Title 1">
+            <a:extLst>
+              <a:ext uri="{FF2B5EF4-FFF2-40B4-BE49-F238E27FC236}">
+                <a16:creationId xmlns:a16="http://schemas.microsoft.com/office/drawing/2014/main" id="{CCD42D83-8A08-CC9A-9CC9-3A24B559EF96}"/>
+              </a:ext>
+            </a:extLst>
+          </p:cNvPr>
+          <p:cNvSpPr>
+            <a:spLocks noGrp="1"/>
+          </p:cNvSpPr>
+          <p:nvPr>
+            <p:ph type="title"/>
+          </p:nvPr>
+        </p:nvSpPr>
+        <p:spPr/>
+        <p:txBody>
+          <a:bodyPr/>
+          <a:lstStyle/>
+          <a:p>
+            <a:r>
+              <a:rPr lang="en-IN" dirty="0"/>
+              <a:t>Java Flight Recorder</a:t>
+            </a:r>
+          </a:p>
+        </p:txBody>
+      </p:sp>
+      <p:sp>
+        <p:nvSpPr>
+          <p:cNvPr id="3" name="Content Placeholder 2">
+            <a:extLst>
+              <a:ext uri="{FF2B5EF4-FFF2-40B4-BE49-F238E27FC236}">
+                <a16:creationId xmlns:a16="http://schemas.microsoft.com/office/drawing/2014/main" id="{70D4A3E6-F318-3EDD-3DDF-BEC15D3763F7}"/>
+              </a:ext>
+            </a:extLst>
+          </p:cNvPr>
+          <p:cNvSpPr>
+            <a:spLocks noGrp="1"/>
+          </p:cNvSpPr>
+          <p:nvPr>
+            <p:ph idx="1"/>
+          </p:nvPr>
+        </p:nvSpPr>
+        <p:spPr/>
+        <p:txBody>
+          <a:bodyPr>
+            <a:normAutofit fontScale="92500" lnSpcReduction="10000"/>
+          </a:bodyPr>
+          <a:lstStyle/>
+          <a:p>
+            <a:r>
+              <a:rPr lang="en-US" dirty="0"/>
+              <a:t>Java Flight Recorder(JFR in short) is used to gather profiling data for an application. </a:t>
+            </a:r>
+          </a:p>
+          <a:p>
+            <a:r>
+              <a:rPr lang="en-US" dirty="0"/>
+              <a:t>It used to be available only for commercial uses, but it is now open-source under OpenJDK 11. </a:t>
+            </a:r>
+          </a:p>
+          <a:p>
+            <a:r>
+              <a:rPr lang="en-US" dirty="0"/>
+              <a:t>We can use it for production applications, as its overhead is minimal(below 1%). </a:t>
+            </a:r>
+          </a:p>
+          <a:p>
+            <a:r>
+              <a:rPr lang="en-US" dirty="0"/>
+              <a:t>It records the data in a JFR file, and we can use the JDK Mission Control tool to analyze the collected information. </a:t>
+            </a:r>
+          </a:p>
+          <a:p>
+            <a:r>
+              <a:rPr lang="en-US" dirty="0"/>
+              <a:t>Use the following command to start a 180 seconds JFR recording and store the data in the </a:t>
+            </a:r>
+            <a:r>
+              <a:rPr lang="en-US" dirty="0" err="1"/>
+              <a:t>demo.jfr</a:t>
+            </a:r>
+            <a:r>
+              <a:rPr lang="en-US" dirty="0"/>
+              <a:t> file.</a:t>
+            </a:r>
+          </a:p>
+          <a:p>
+            <a:pPr marL="457200" lvl="1" indent="0">
+              <a:buNone/>
+            </a:pPr>
+            <a:r>
+              <a:rPr lang="en-US" i="1" dirty="0"/>
+              <a:t>-</a:t>
+            </a:r>
+            <a:r>
+              <a:rPr lang="en-US" i="1" dirty="0" err="1"/>
+              <a:t>XX:StartFlightRecording</a:t>
+            </a:r>
+            <a:r>
+              <a:rPr lang="en-US" i="1" dirty="0"/>
+              <a:t>=duration=180s,settings=</a:t>
+            </a:r>
+            <a:r>
+              <a:rPr lang="en-US" i="1" dirty="0" err="1"/>
+              <a:t>profile,filename</a:t>
+            </a:r>
+            <a:r>
+              <a:rPr lang="en-US" i="1" dirty="0"/>
+              <a:t>=</a:t>
+            </a:r>
+            <a:r>
+              <a:rPr lang="en-US" i="1" dirty="0" err="1"/>
+              <a:t>demo.jfr</a:t>
+            </a:r>
+            <a:endParaRPr lang="en-IN" i="1" dirty="0"/>
+          </a:p>
+        </p:txBody>
+      </p:sp>
+    </p:spTree>
+    <p:extLst>
+      <p:ext uri="{BB962C8B-B14F-4D97-AF65-F5344CB8AC3E}">
+        <p14:creationId xmlns:p14="http://schemas.microsoft.com/office/powerpoint/2010/main" val="2915693999"/>
+      </p:ext>
+    </p:extLst>
+  </p:cSld>
+  <p:clrMapOvr>
+    <a:masterClrMapping/>
+  </p:clrMapOvr>
+</p:sld>
+</file>
+
+<file path=ppt/slides/slide15.xml><?xml version="1.0" encoding="utf-8"?>
+<p:sld xmlns:a="http://schemas.openxmlformats.org/drawingml/2006/main" xmlns:r="http://schemas.openxmlformats.org/officeDocument/2006/relationships" xmlns:p="http://schemas.openxmlformats.org/presentationml/2006/main">
+  <p:cSld>
+    <p:spTree>
+      <p:nvGrpSpPr>
+        <p:cNvPr id="1" name=""/>
+        <p:cNvGrpSpPr/>
+        <p:nvPr/>
+      </p:nvGrpSpPr>
+      <p:grpSpPr>
+        <a:xfrm>
+          <a:off x="0" y="0"/>
+          <a:ext cx="0" cy="0"/>
+          <a:chOff x="0" y="0"/>
+          <a:chExt cx="0" cy="0"/>
+        </a:xfrm>
+      </p:grpSpPr>
+      <p:sp>
+        <p:nvSpPr>
+          <p:cNvPr id="2" name="Title 1">
+            <a:extLst>
+              <a:ext uri="{FF2B5EF4-FFF2-40B4-BE49-F238E27FC236}">
+                <a16:creationId xmlns:a16="http://schemas.microsoft.com/office/drawing/2014/main" id="{EAE8986A-A0C1-B7F2-9967-7100B634DF62}"/>
+              </a:ext>
+            </a:extLst>
+          </p:cNvPr>
+          <p:cNvSpPr>
+            <a:spLocks noGrp="1"/>
+          </p:cNvSpPr>
+          <p:nvPr>
+            <p:ph type="title"/>
+          </p:nvPr>
+        </p:nvSpPr>
+        <p:spPr/>
+        <p:txBody>
+          <a:bodyPr/>
+          <a:lstStyle/>
+          <a:p>
+            <a:r>
+              <a:rPr lang="en-IN" dirty="0"/>
+              <a:t>Java 17 Features</a:t>
+            </a:r>
+          </a:p>
+        </p:txBody>
+      </p:sp>
+      <p:sp>
+        <p:nvSpPr>
+          <p:cNvPr id="3" name="Content Placeholder 2">
+            <a:extLst>
+              <a:ext uri="{FF2B5EF4-FFF2-40B4-BE49-F238E27FC236}">
+                <a16:creationId xmlns:a16="http://schemas.microsoft.com/office/drawing/2014/main" id="{561F019D-C436-B30E-3CEA-42869C2A6E07}"/>
+              </a:ext>
+            </a:extLst>
+          </p:cNvPr>
+          <p:cNvSpPr>
+            <a:spLocks noGrp="1"/>
+          </p:cNvSpPr>
+          <p:nvPr>
+            <p:ph idx="1"/>
+          </p:nvPr>
+        </p:nvSpPr>
+        <p:spPr/>
+        <p:txBody>
+          <a:bodyPr/>
+          <a:lstStyle/>
+          <a:p>
+            <a:r>
+              <a:rPr lang="en-IN" dirty="0"/>
+              <a:t>Sealed Classes</a:t>
+            </a:r>
+          </a:p>
+        </p:txBody>
+      </p:sp>
+    </p:spTree>
+    <p:extLst>
+      <p:ext uri="{BB962C8B-B14F-4D97-AF65-F5344CB8AC3E}">
+        <p14:creationId xmlns:p14="http://schemas.microsoft.com/office/powerpoint/2010/main" val="2624611970"/>
       </p:ext>
     </p:extLst>
   </p:cSld>
@@ -3610,6 +6028,871 @@
     <p:extLst>
       <p:ext uri="{BB962C8B-B14F-4D97-AF65-F5344CB8AC3E}">
         <p14:creationId xmlns:p14="http://schemas.microsoft.com/office/powerpoint/2010/main" val="413947448"/>
+      </p:ext>
+    </p:extLst>
+  </p:cSld>
+  <p:clrMapOvr>
+    <a:masterClrMapping/>
+  </p:clrMapOvr>
+</p:sld>
+</file>
+
+<file path=ppt/slides/slide3.xml><?xml version="1.0" encoding="utf-8"?>
+<p:sld xmlns:a="http://schemas.openxmlformats.org/drawingml/2006/main" xmlns:r="http://schemas.openxmlformats.org/officeDocument/2006/relationships" xmlns:p="http://schemas.openxmlformats.org/presentationml/2006/main">
+  <p:cSld>
+    <p:spTree>
+      <p:nvGrpSpPr>
+        <p:cNvPr id="1" name=""/>
+        <p:cNvGrpSpPr/>
+        <p:nvPr/>
+      </p:nvGrpSpPr>
+      <p:grpSpPr>
+        <a:xfrm>
+          <a:off x="0" y="0"/>
+          <a:ext cx="0" cy="0"/>
+          <a:chOff x="0" y="0"/>
+          <a:chExt cx="0" cy="0"/>
+        </a:xfrm>
+      </p:grpSpPr>
+      <p:sp>
+        <p:nvSpPr>
+          <p:cNvPr id="2" name="Title 1">
+            <a:extLst>
+              <a:ext uri="{FF2B5EF4-FFF2-40B4-BE49-F238E27FC236}">
+                <a16:creationId xmlns:a16="http://schemas.microsoft.com/office/drawing/2014/main" id="{4F876EDB-4BB2-A0C2-E0C7-7518D1B7C8EA}"/>
+              </a:ext>
+            </a:extLst>
+          </p:cNvPr>
+          <p:cNvSpPr>
+            <a:spLocks noGrp="1"/>
+          </p:cNvSpPr>
+          <p:nvPr>
+            <p:ph type="title"/>
+          </p:nvPr>
+        </p:nvSpPr>
+        <p:spPr/>
+        <p:txBody>
+          <a:bodyPr/>
+          <a:lstStyle/>
+          <a:p>
+            <a:r>
+              <a:rPr lang="en-IN" b="0" i="0" dirty="0">
+                <a:solidFill>
+                  <a:srgbClr val="212529"/>
+                </a:solidFill>
+                <a:effectLst/>
+                <a:latin typeface="system-ui"/>
+              </a:rPr>
+              <a:t>Running Java Files</a:t>
+            </a:r>
+            <a:br>
+              <a:rPr lang="en-IN" b="0" i="0" dirty="0">
+                <a:solidFill>
+                  <a:srgbClr val="212529"/>
+                </a:solidFill>
+                <a:effectLst/>
+                <a:latin typeface="system-ui"/>
+              </a:rPr>
+            </a:br>
+            <a:endParaRPr lang="en-IN" dirty="0"/>
+          </a:p>
+        </p:txBody>
+      </p:sp>
+      <p:sp>
+        <p:nvSpPr>
+          <p:cNvPr id="3" name="Content Placeholder 2">
+            <a:extLst>
+              <a:ext uri="{FF2B5EF4-FFF2-40B4-BE49-F238E27FC236}">
+                <a16:creationId xmlns:a16="http://schemas.microsoft.com/office/drawing/2014/main" id="{1EE3FFAF-5D82-ADA2-AB37-931D4A4206E8}"/>
+              </a:ext>
+            </a:extLst>
+          </p:cNvPr>
+          <p:cNvSpPr>
+            <a:spLocks noGrp="1"/>
+          </p:cNvSpPr>
+          <p:nvPr>
+            <p:ph idx="1"/>
+          </p:nvPr>
+        </p:nvSpPr>
+        <p:spPr/>
+        <p:txBody>
+          <a:bodyPr>
+            <a:normAutofit fontScale="70000" lnSpcReduction="20000"/>
+          </a:bodyPr>
+          <a:lstStyle/>
+          <a:p>
+            <a:r>
+              <a:rPr lang="en-US" b="0" i="0" dirty="0">
+                <a:solidFill>
+                  <a:srgbClr val="212529"/>
+                </a:solidFill>
+                <a:effectLst/>
+                <a:latin typeface="system-ui"/>
+              </a:rPr>
+              <a:t>Execute Java File Without Compilation</a:t>
+            </a:r>
+          </a:p>
+          <a:p>
+            <a:pPr lvl="1"/>
+            <a:r>
+              <a:rPr lang="en-US" dirty="0"/>
+              <a:t>From Java 11, Java provides flexibility to run Java code without compilation. It means we can execute Java code in a single step.</a:t>
+            </a:r>
+          </a:p>
+          <a:p>
+            <a:pPr lvl="1"/>
+            <a:endParaRPr lang="en-US" dirty="0"/>
+          </a:p>
+          <a:p>
+            <a:pPr lvl="1"/>
+            <a:r>
+              <a:rPr lang="en-US" dirty="0"/>
+              <a:t>Before Java 11, if we execute Java file then first, we need to compile the code and then run the code. This whole process requires two major steps:</a:t>
+            </a:r>
+          </a:p>
+          <a:p>
+            <a:pPr lvl="2"/>
+            <a:r>
+              <a:rPr lang="en-US" dirty="0"/>
+              <a:t>Compile Java code</a:t>
+            </a:r>
+          </a:p>
+          <a:p>
+            <a:pPr lvl="2"/>
+            <a:endParaRPr lang="en-US" dirty="0"/>
+          </a:p>
+          <a:p>
+            <a:pPr lvl="2"/>
+            <a:r>
+              <a:rPr lang="en-US" dirty="0"/>
+              <a:t>Run Java code</a:t>
+            </a:r>
+          </a:p>
+          <a:p>
+            <a:pPr lvl="1"/>
+            <a:endParaRPr lang="en-US" dirty="0"/>
+          </a:p>
+          <a:p>
+            <a:pPr lvl="2"/>
+            <a:r>
+              <a:rPr lang="en-US" dirty="0"/>
+              <a:t>To compile the code, we use </a:t>
+            </a:r>
+            <a:r>
+              <a:rPr lang="en-US" dirty="0" err="1"/>
+              <a:t>javac</a:t>
+            </a:r>
+            <a:r>
+              <a:rPr lang="en-US" dirty="0"/>
+              <a:t> MyFirstProgram.java command. and</a:t>
+            </a:r>
+          </a:p>
+          <a:p>
+            <a:pPr lvl="2"/>
+            <a:endParaRPr lang="en-US" dirty="0"/>
+          </a:p>
+          <a:p>
+            <a:pPr lvl="2"/>
+            <a:r>
+              <a:rPr lang="en-US" dirty="0"/>
+              <a:t>To run this file, we use java </a:t>
+            </a:r>
+            <a:r>
+              <a:rPr lang="en-US" dirty="0" err="1"/>
+              <a:t>MyFirstProgram</a:t>
+            </a:r>
+            <a:r>
+              <a:rPr lang="en-US" dirty="0"/>
+              <a:t> command in the terminal (</a:t>
+            </a:r>
+            <a:r>
+              <a:rPr lang="en-US" dirty="0" err="1"/>
+              <a:t>cmd</a:t>
+            </a:r>
+            <a:r>
+              <a:rPr lang="en-US" dirty="0"/>
+              <a:t> in windows).</a:t>
+            </a:r>
+          </a:p>
+          <a:p>
+            <a:pPr lvl="1"/>
+            <a:endParaRPr lang="en-US" dirty="0"/>
+          </a:p>
+          <a:p>
+            <a:pPr lvl="1"/>
+            <a:r>
+              <a:rPr lang="en-US" dirty="0"/>
+              <a:t>But if we are working with Java 11 then we don't need to follow these two steps. Just use single command java java_file.java and it will execute the file by producing the desired result.</a:t>
+            </a:r>
+          </a:p>
+          <a:p>
+            <a:pPr lvl="1"/>
+            <a:endParaRPr lang="en-US" dirty="0"/>
+          </a:p>
+          <a:p>
+            <a:pPr lvl="1"/>
+            <a:r>
+              <a:rPr lang="en-US" dirty="0"/>
+              <a:t>Note: This feature is applicable if we have a single file of source code. It means all the code is in a single file, with no external dependency.</a:t>
+            </a:r>
+            <a:endParaRPr lang="en-IN" dirty="0"/>
+          </a:p>
+        </p:txBody>
+      </p:sp>
+    </p:spTree>
+    <p:extLst>
+      <p:ext uri="{BB962C8B-B14F-4D97-AF65-F5344CB8AC3E}">
+        <p14:creationId xmlns:p14="http://schemas.microsoft.com/office/powerpoint/2010/main" val="2007481738"/>
+      </p:ext>
+    </p:extLst>
+  </p:cSld>
+  <p:clrMapOvr>
+    <a:masterClrMapping/>
+  </p:clrMapOvr>
+</p:sld>
+</file>
+
+<file path=ppt/slides/slide4.xml><?xml version="1.0" encoding="utf-8"?>
+<p:sld xmlns:a="http://schemas.openxmlformats.org/drawingml/2006/main" xmlns:r="http://schemas.openxmlformats.org/officeDocument/2006/relationships" xmlns:p="http://schemas.openxmlformats.org/presentationml/2006/main">
+  <p:cSld>
+    <p:spTree>
+      <p:nvGrpSpPr>
+        <p:cNvPr id="1" name=""/>
+        <p:cNvGrpSpPr/>
+        <p:nvPr/>
+      </p:nvGrpSpPr>
+      <p:grpSpPr>
+        <a:xfrm>
+          <a:off x="0" y="0"/>
+          <a:ext cx="0" cy="0"/>
+          <a:chOff x="0" y="0"/>
+          <a:chExt cx="0" cy="0"/>
+        </a:xfrm>
+      </p:grpSpPr>
+      <p:sp>
+        <p:nvSpPr>
+          <p:cNvPr id="2" name="Title 1">
+            <a:extLst>
+              <a:ext uri="{FF2B5EF4-FFF2-40B4-BE49-F238E27FC236}">
+                <a16:creationId xmlns:a16="http://schemas.microsoft.com/office/drawing/2014/main" id="{A738C36D-7AC7-596B-DC3A-F27A6A3B7807}"/>
+              </a:ext>
+            </a:extLst>
+          </p:cNvPr>
+          <p:cNvSpPr>
+            <a:spLocks noGrp="1"/>
+          </p:cNvSpPr>
+          <p:nvPr>
+            <p:ph type="title"/>
+          </p:nvPr>
+        </p:nvSpPr>
+        <p:spPr/>
+        <p:txBody>
+          <a:bodyPr/>
+          <a:lstStyle/>
+          <a:p>
+            <a:r>
+              <a:rPr lang="en-IN" dirty="0"/>
+              <a:t>New String Methods</a:t>
+            </a:r>
+            <a:br>
+              <a:rPr lang="en-IN" dirty="0"/>
+            </a:br>
+            <a:endParaRPr lang="en-IN" dirty="0"/>
+          </a:p>
+        </p:txBody>
+      </p:sp>
+      <p:sp>
+        <p:nvSpPr>
+          <p:cNvPr id="3" name="Content Placeholder 2">
+            <a:extLst>
+              <a:ext uri="{FF2B5EF4-FFF2-40B4-BE49-F238E27FC236}">
+                <a16:creationId xmlns:a16="http://schemas.microsoft.com/office/drawing/2014/main" id="{0852F894-A824-103B-DFE4-1CA3D15470AA}"/>
+              </a:ext>
+            </a:extLst>
+          </p:cNvPr>
+          <p:cNvSpPr>
+            <a:spLocks noGrp="1"/>
+          </p:cNvSpPr>
+          <p:nvPr>
+            <p:ph idx="1"/>
+          </p:nvPr>
+        </p:nvSpPr>
+        <p:spPr/>
+        <p:txBody>
+          <a:bodyPr/>
+          <a:lstStyle/>
+          <a:p>
+            <a:r>
+              <a:rPr lang="en-US" dirty="0" err="1"/>
+              <a:t>isBlank</a:t>
+            </a:r>
+            <a:r>
+              <a:rPr lang="en-US" dirty="0"/>
+              <a:t>() - this method is used to check whether a string is blank or not. Empty strings and strings with just whitespace are considered blank.</a:t>
+            </a:r>
+          </a:p>
+          <a:p>
+            <a:r>
+              <a:rPr lang="en-US" dirty="0"/>
+              <a:t>lines() - this method splits a string using line terminators and returns a stream.</a:t>
+            </a:r>
+          </a:p>
+          <a:p>
+            <a:r>
+              <a:rPr lang="en-US" dirty="0"/>
+              <a:t>repeat() - this method is used to duplicate or repeat a string.</a:t>
+            </a:r>
+          </a:p>
+          <a:p>
+            <a:r>
+              <a:rPr lang="en-US" dirty="0"/>
+              <a:t>strip(), </a:t>
+            </a:r>
+            <a:r>
+              <a:rPr lang="en-US" dirty="0" err="1"/>
+              <a:t>stripLeading</a:t>
+            </a:r>
+            <a:r>
+              <a:rPr lang="en-US" dirty="0"/>
+              <a:t>(), </a:t>
+            </a:r>
+            <a:r>
+              <a:rPr lang="en-US" dirty="0" err="1"/>
+              <a:t>stripTrailing</a:t>
+            </a:r>
+            <a:r>
+              <a:rPr lang="en-US" dirty="0"/>
+              <a:t>() - These methods are used to remove whitespace from the strings. They are very similar to the existing trim() method, but provide Unicode support.</a:t>
+            </a:r>
+            <a:endParaRPr lang="en-IN" dirty="0"/>
+          </a:p>
+        </p:txBody>
+      </p:sp>
+    </p:spTree>
+    <p:extLst>
+      <p:ext uri="{BB962C8B-B14F-4D97-AF65-F5344CB8AC3E}">
+        <p14:creationId xmlns:p14="http://schemas.microsoft.com/office/powerpoint/2010/main" val="2757816014"/>
+      </p:ext>
+    </p:extLst>
+  </p:cSld>
+  <p:clrMapOvr>
+    <a:masterClrMapping/>
+  </p:clrMapOvr>
+</p:sld>
+</file>
+
+<file path=ppt/slides/slide5.xml><?xml version="1.0" encoding="utf-8"?>
+<p:sld xmlns:a="http://schemas.openxmlformats.org/drawingml/2006/main" xmlns:r="http://schemas.openxmlformats.org/officeDocument/2006/relationships" xmlns:p="http://schemas.openxmlformats.org/presentationml/2006/main">
+  <p:cSld>
+    <p:spTree>
+      <p:nvGrpSpPr>
+        <p:cNvPr id="1" name=""/>
+        <p:cNvGrpSpPr/>
+        <p:nvPr/>
+      </p:nvGrpSpPr>
+      <p:grpSpPr>
+        <a:xfrm>
+          <a:off x="0" y="0"/>
+          <a:ext cx="0" cy="0"/>
+          <a:chOff x="0" y="0"/>
+          <a:chExt cx="0" cy="0"/>
+        </a:xfrm>
+      </p:grpSpPr>
+      <p:sp>
+        <p:nvSpPr>
+          <p:cNvPr id="2" name="Title 1">
+            <a:extLst>
+              <a:ext uri="{FF2B5EF4-FFF2-40B4-BE49-F238E27FC236}">
+                <a16:creationId xmlns:a16="http://schemas.microsoft.com/office/drawing/2014/main" id="{2ADBEEF3-AB52-1285-10C2-20C37286024F}"/>
+              </a:ext>
+            </a:extLst>
+          </p:cNvPr>
+          <p:cNvSpPr>
+            <a:spLocks noGrp="1"/>
+          </p:cNvSpPr>
+          <p:nvPr>
+            <p:ph type="title"/>
+          </p:nvPr>
+        </p:nvSpPr>
+        <p:spPr/>
+        <p:txBody>
+          <a:bodyPr/>
+          <a:lstStyle/>
+          <a:p>
+            <a:r>
+              <a:rPr lang="en-IN" dirty="0"/>
+              <a:t>Nest Based Access Control</a:t>
+            </a:r>
+          </a:p>
+        </p:txBody>
+      </p:sp>
+      <p:sp>
+        <p:nvSpPr>
+          <p:cNvPr id="3" name="Content Placeholder 2">
+            <a:extLst>
+              <a:ext uri="{FF2B5EF4-FFF2-40B4-BE49-F238E27FC236}">
+                <a16:creationId xmlns:a16="http://schemas.microsoft.com/office/drawing/2014/main" id="{D13FBA61-5D04-7D42-BF6A-9D4CEC1B906B}"/>
+              </a:ext>
+            </a:extLst>
+          </p:cNvPr>
+          <p:cNvSpPr>
+            <a:spLocks noGrp="1"/>
+          </p:cNvSpPr>
+          <p:nvPr>
+            <p:ph idx="1"/>
+          </p:nvPr>
+        </p:nvSpPr>
+        <p:spPr/>
+        <p:txBody>
+          <a:bodyPr/>
+          <a:lstStyle/>
+          <a:p>
+            <a:r>
+              <a:rPr lang="en-US" dirty="0"/>
+              <a:t>Previous Java versions allowed access of private members to nested classes(nestmates), but we cannot use them with the Reflection API. Java 11 no longer uses bridge methods and provides the </a:t>
+            </a:r>
+            <a:r>
+              <a:rPr lang="en-US" dirty="0" err="1"/>
+              <a:t>getNestHost</a:t>
+            </a:r>
+            <a:r>
+              <a:rPr lang="en-US" dirty="0"/>
+              <a:t>(), </a:t>
+            </a:r>
+            <a:r>
+              <a:rPr lang="en-US" dirty="0" err="1"/>
+              <a:t>getNestMembers</a:t>
+            </a:r>
+            <a:r>
+              <a:rPr lang="en-US" dirty="0"/>
+              <a:t>(), and </a:t>
+            </a:r>
+            <a:r>
+              <a:rPr lang="en-US" dirty="0" err="1"/>
+              <a:t>isNestmatOf</a:t>
+            </a:r>
+            <a:r>
+              <a:rPr lang="en-US" dirty="0"/>
+              <a:t>() methods for the Reflection API.</a:t>
+            </a:r>
+            <a:endParaRPr lang="en-IN" dirty="0"/>
+          </a:p>
+        </p:txBody>
+      </p:sp>
+    </p:spTree>
+    <p:extLst>
+      <p:ext uri="{BB962C8B-B14F-4D97-AF65-F5344CB8AC3E}">
+        <p14:creationId xmlns:p14="http://schemas.microsoft.com/office/powerpoint/2010/main" val="1487590259"/>
+      </p:ext>
+    </p:extLst>
+  </p:cSld>
+  <p:clrMapOvr>
+    <a:masterClrMapping/>
+  </p:clrMapOvr>
+</p:sld>
+</file>
+
+<file path=ppt/slides/slide6.xml><?xml version="1.0" encoding="utf-8"?>
+<p:sld xmlns:a="http://schemas.openxmlformats.org/drawingml/2006/main" xmlns:r="http://schemas.openxmlformats.org/officeDocument/2006/relationships" xmlns:p="http://schemas.openxmlformats.org/presentationml/2006/main">
+  <p:cSld>
+    <p:spTree>
+      <p:nvGrpSpPr>
+        <p:cNvPr id="1" name=""/>
+        <p:cNvGrpSpPr/>
+        <p:nvPr/>
+      </p:nvGrpSpPr>
+      <p:grpSpPr>
+        <a:xfrm>
+          <a:off x="0" y="0"/>
+          <a:ext cx="0" cy="0"/>
+          <a:chOff x="0" y="0"/>
+          <a:chExt cx="0" cy="0"/>
+        </a:xfrm>
+      </p:grpSpPr>
+      <p:sp>
+        <p:nvSpPr>
+          <p:cNvPr id="2" name="Title 1">
+            <a:extLst>
+              <a:ext uri="{FF2B5EF4-FFF2-40B4-BE49-F238E27FC236}">
+                <a16:creationId xmlns:a16="http://schemas.microsoft.com/office/drawing/2014/main" id="{AC9F1F50-29ED-3DCF-C8E8-52122553C14E}"/>
+              </a:ext>
+            </a:extLst>
+          </p:cNvPr>
+          <p:cNvSpPr>
+            <a:spLocks noGrp="1"/>
+          </p:cNvSpPr>
+          <p:nvPr>
+            <p:ph type="title"/>
+          </p:nvPr>
+        </p:nvSpPr>
+        <p:spPr/>
+        <p:txBody>
+          <a:bodyPr/>
+          <a:lstStyle/>
+          <a:p>
+            <a:r>
+              <a:rPr lang="en-IN" dirty="0"/>
+              <a:t>New File Methods</a:t>
+            </a:r>
+          </a:p>
+        </p:txBody>
+      </p:sp>
+      <p:sp>
+        <p:nvSpPr>
+          <p:cNvPr id="3" name="Content Placeholder 2">
+            <a:extLst>
+              <a:ext uri="{FF2B5EF4-FFF2-40B4-BE49-F238E27FC236}">
+                <a16:creationId xmlns:a16="http://schemas.microsoft.com/office/drawing/2014/main" id="{0A4B7A1D-FF8D-20C9-BE80-B25C1D302ED8}"/>
+              </a:ext>
+            </a:extLst>
+          </p:cNvPr>
+          <p:cNvSpPr>
+            <a:spLocks noGrp="1"/>
+          </p:cNvSpPr>
+          <p:nvPr>
+            <p:ph idx="1"/>
+          </p:nvPr>
+        </p:nvSpPr>
+        <p:spPr/>
+        <p:txBody>
+          <a:bodyPr/>
+          <a:lstStyle/>
+          <a:p>
+            <a:r>
+              <a:rPr lang="en-US" dirty="0"/>
+              <a:t>Java 11 makes it a lot easier to read and write strings. </a:t>
+            </a:r>
+          </a:p>
+          <a:p>
+            <a:r>
+              <a:rPr lang="en-US" dirty="0"/>
+              <a:t>The </a:t>
+            </a:r>
+            <a:r>
+              <a:rPr lang="en-US" dirty="0" err="1"/>
+              <a:t>readString</a:t>
+            </a:r>
+            <a:r>
+              <a:rPr lang="en-US" dirty="0"/>
+              <a:t>() and </a:t>
+            </a:r>
+            <a:r>
+              <a:rPr lang="en-US" dirty="0" err="1"/>
+              <a:t>writeString</a:t>
+            </a:r>
+            <a:r>
+              <a:rPr lang="en-US" dirty="0"/>
+              <a:t>() static methods are added to the Files class for this purpose.</a:t>
+            </a:r>
+            <a:endParaRPr lang="en-IN" dirty="0"/>
+          </a:p>
+        </p:txBody>
+      </p:sp>
+    </p:spTree>
+    <p:extLst>
+      <p:ext uri="{BB962C8B-B14F-4D97-AF65-F5344CB8AC3E}">
+        <p14:creationId xmlns:p14="http://schemas.microsoft.com/office/powerpoint/2010/main" val="2438435804"/>
+      </p:ext>
+    </p:extLst>
+  </p:cSld>
+  <p:clrMapOvr>
+    <a:masterClrMapping/>
+  </p:clrMapOvr>
+</p:sld>
+</file>
+
+<file path=ppt/slides/slide7.xml><?xml version="1.0" encoding="utf-8"?>
+<p:sld xmlns:a="http://schemas.openxmlformats.org/drawingml/2006/main" xmlns:r="http://schemas.openxmlformats.org/officeDocument/2006/relationships" xmlns:p="http://schemas.openxmlformats.org/presentationml/2006/main">
+  <p:cSld>
+    <p:spTree>
+      <p:nvGrpSpPr>
+        <p:cNvPr id="1" name=""/>
+        <p:cNvGrpSpPr/>
+        <p:nvPr/>
+      </p:nvGrpSpPr>
+      <p:grpSpPr>
+        <a:xfrm>
+          <a:off x="0" y="0"/>
+          <a:ext cx="0" cy="0"/>
+          <a:chOff x="0" y="0"/>
+          <a:chExt cx="0" cy="0"/>
+        </a:xfrm>
+      </p:grpSpPr>
+      <p:sp>
+        <p:nvSpPr>
+          <p:cNvPr id="2" name="Title 1">
+            <a:extLst>
+              <a:ext uri="{FF2B5EF4-FFF2-40B4-BE49-F238E27FC236}">
+                <a16:creationId xmlns:a16="http://schemas.microsoft.com/office/drawing/2014/main" id="{D01D1F87-62E3-3231-25B4-FE43B00336DE}"/>
+              </a:ext>
+            </a:extLst>
+          </p:cNvPr>
+          <p:cNvSpPr>
+            <a:spLocks noGrp="1"/>
+          </p:cNvSpPr>
+          <p:nvPr>
+            <p:ph type="title"/>
+          </p:nvPr>
+        </p:nvSpPr>
+        <p:spPr/>
+        <p:txBody>
+          <a:bodyPr/>
+          <a:lstStyle/>
+          <a:p>
+            <a:r>
+              <a:rPr lang="en-IN" dirty="0"/>
+              <a:t>Collection to an Array</a:t>
+            </a:r>
+          </a:p>
+        </p:txBody>
+      </p:sp>
+      <p:sp>
+        <p:nvSpPr>
+          <p:cNvPr id="3" name="Content Placeholder 2">
+            <a:extLst>
+              <a:ext uri="{FF2B5EF4-FFF2-40B4-BE49-F238E27FC236}">
+                <a16:creationId xmlns:a16="http://schemas.microsoft.com/office/drawing/2014/main" id="{7C02802D-F72F-0087-65DF-1B6969DE1D27}"/>
+              </a:ext>
+            </a:extLst>
+          </p:cNvPr>
+          <p:cNvSpPr>
+            <a:spLocks noGrp="1"/>
+          </p:cNvSpPr>
+          <p:nvPr>
+            <p:ph idx="1"/>
+          </p:nvPr>
+        </p:nvSpPr>
+        <p:spPr/>
+        <p:txBody>
+          <a:bodyPr/>
+          <a:lstStyle/>
+          <a:p>
+            <a:r>
+              <a:rPr lang="en-US" dirty="0"/>
+              <a:t>The new default </a:t>
+            </a:r>
+            <a:r>
+              <a:rPr lang="en-US" dirty="0" err="1"/>
+              <a:t>toArray</a:t>
+            </a:r>
+            <a:r>
+              <a:rPr lang="en-US" dirty="0"/>
+              <a:t>() method is used to easily convert a collection to an array of the correct type.</a:t>
+            </a:r>
+            <a:endParaRPr lang="en-IN" dirty="0"/>
+          </a:p>
+        </p:txBody>
+      </p:sp>
+    </p:spTree>
+    <p:extLst>
+      <p:ext uri="{BB962C8B-B14F-4D97-AF65-F5344CB8AC3E}">
+        <p14:creationId xmlns:p14="http://schemas.microsoft.com/office/powerpoint/2010/main" val="382154342"/>
+      </p:ext>
+    </p:extLst>
+  </p:cSld>
+  <p:clrMapOvr>
+    <a:masterClrMapping/>
+  </p:clrMapOvr>
+</p:sld>
+</file>
+
+<file path=ppt/slides/slide8.xml><?xml version="1.0" encoding="utf-8"?>
+<p:sld xmlns:a="http://schemas.openxmlformats.org/drawingml/2006/main" xmlns:r="http://schemas.openxmlformats.org/officeDocument/2006/relationships" xmlns:p="http://schemas.openxmlformats.org/presentationml/2006/main">
+  <p:cSld>
+    <p:spTree>
+      <p:nvGrpSpPr>
+        <p:cNvPr id="1" name=""/>
+        <p:cNvGrpSpPr/>
+        <p:nvPr/>
+      </p:nvGrpSpPr>
+      <p:grpSpPr>
+        <a:xfrm>
+          <a:off x="0" y="0"/>
+          <a:ext cx="0" cy="0"/>
+          <a:chOff x="0" y="0"/>
+          <a:chExt cx="0" cy="0"/>
+        </a:xfrm>
+      </p:grpSpPr>
+      <p:sp>
+        <p:nvSpPr>
+          <p:cNvPr id="2" name="Title 1">
+            <a:extLst>
+              <a:ext uri="{FF2B5EF4-FFF2-40B4-BE49-F238E27FC236}">
+                <a16:creationId xmlns:a16="http://schemas.microsoft.com/office/drawing/2014/main" id="{C8D9FDCF-906F-F491-CA4E-250212CEC3EA}"/>
+              </a:ext>
+            </a:extLst>
+          </p:cNvPr>
+          <p:cNvSpPr>
+            <a:spLocks noGrp="1"/>
+          </p:cNvSpPr>
+          <p:nvPr>
+            <p:ph type="title"/>
+          </p:nvPr>
+        </p:nvSpPr>
+        <p:spPr/>
+        <p:txBody>
+          <a:bodyPr/>
+          <a:lstStyle/>
+          <a:p>
+            <a:r>
+              <a:rPr lang="en-IN" dirty="0"/>
+              <a:t>The not() Method</a:t>
+            </a:r>
+          </a:p>
+        </p:txBody>
+      </p:sp>
+      <p:sp>
+        <p:nvSpPr>
+          <p:cNvPr id="3" name="Content Placeholder 2">
+            <a:extLst>
+              <a:ext uri="{FF2B5EF4-FFF2-40B4-BE49-F238E27FC236}">
+                <a16:creationId xmlns:a16="http://schemas.microsoft.com/office/drawing/2014/main" id="{528AE1E1-2BD0-2AE7-D387-94480C631E8C}"/>
+              </a:ext>
+            </a:extLst>
+          </p:cNvPr>
+          <p:cNvSpPr>
+            <a:spLocks noGrp="1"/>
+          </p:cNvSpPr>
+          <p:nvPr>
+            <p:ph idx="1"/>
+          </p:nvPr>
+        </p:nvSpPr>
+        <p:spPr/>
+        <p:txBody>
+          <a:bodyPr/>
+          <a:lstStyle/>
+          <a:p>
+            <a:r>
+              <a:rPr lang="en-US" dirty="0"/>
+              <a:t>A static not() method has been added to the Predicate interface in Java 11. </a:t>
+            </a:r>
+          </a:p>
+          <a:p>
+            <a:r>
+              <a:rPr lang="en-US" dirty="0"/>
+              <a:t>As the name suggests, this method is used to negate a Predicate. The not() method can also be used with method references.</a:t>
+            </a:r>
+            <a:endParaRPr lang="en-IN" dirty="0"/>
+          </a:p>
+        </p:txBody>
+      </p:sp>
+    </p:spTree>
+    <p:extLst>
+      <p:ext uri="{BB962C8B-B14F-4D97-AF65-F5344CB8AC3E}">
+        <p14:creationId xmlns:p14="http://schemas.microsoft.com/office/powerpoint/2010/main" val="1158181804"/>
+      </p:ext>
+    </p:extLst>
+  </p:cSld>
+  <p:clrMapOvr>
+    <a:masterClrMapping/>
+  </p:clrMapOvr>
+</p:sld>
+</file>
+
+<file path=ppt/slides/slide9.xml><?xml version="1.0" encoding="utf-8"?>
+<p:sld xmlns:a="http://schemas.openxmlformats.org/drawingml/2006/main" xmlns:r="http://schemas.openxmlformats.org/officeDocument/2006/relationships" xmlns:p="http://schemas.openxmlformats.org/presentationml/2006/main">
+  <p:cSld>
+    <p:spTree>
+      <p:nvGrpSpPr>
+        <p:cNvPr id="1" name=""/>
+        <p:cNvGrpSpPr/>
+        <p:nvPr/>
+      </p:nvGrpSpPr>
+      <p:grpSpPr>
+        <a:xfrm>
+          <a:off x="0" y="0"/>
+          <a:ext cx="0" cy="0"/>
+          <a:chOff x="0" y="0"/>
+          <a:chExt cx="0" cy="0"/>
+        </a:xfrm>
+      </p:grpSpPr>
+      <p:sp>
+        <p:nvSpPr>
+          <p:cNvPr id="2" name="Title 1">
+            <a:extLst>
+              <a:ext uri="{FF2B5EF4-FFF2-40B4-BE49-F238E27FC236}">
+                <a16:creationId xmlns:a16="http://schemas.microsoft.com/office/drawing/2014/main" id="{E74BB914-FEF6-D144-7B48-CC9918E38A75}"/>
+              </a:ext>
+            </a:extLst>
+          </p:cNvPr>
+          <p:cNvSpPr>
+            <a:spLocks noGrp="1"/>
+          </p:cNvSpPr>
+          <p:nvPr>
+            <p:ph type="title"/>
+          </p:nvPr>
+        </p:nvSpPr>
+        <p:spPr/>
+        <p:txBody>
+          <a:bodyPr/>
+          <a:lstStyle/>
+          <a:p>
+            <a:r>
+              <a:rPr lang="en-IN" dirty="0"/>
+              <a:t>HTTP Client</a:t>
+            </a:r>
+          </a:p>
+        </p:txBody>
+      </p:sp>
+      <p:sp>
+        <p:nvSpPr>
+          <p:cNvPr id="3" name="Content Placeholder 2">
+            <a:extLst>
+              <a:ext uri="{FF2B5EF4-FFF2-40B4-BE49-F238E27FC236}">
+                <a16:creationId xmlns:a16="http://schemas.microsoft.com/office/drawing/2014/main" id="{89A374AA-5DFF-242B-826B-1681B118360D}"/>
+              </a:ext>
+            </a:extLst>
+          </p:cNvPr>
+          <p:cNvSpPr>
+            <a:spLocks noGrp="1"/>
+          </p:cNvSpPr>
+          <p:nvPr>
+            <p:ph idx="1"/>
+          </p:nvPr>
+        </p:nvSpPr>
+        <p:spPr/>
+        <p:txBody>
+          <a:bodyPr/>
+          <a:lstStyle/>
+          <a:p>
+            <a:r>
+              <a:rPr lang="en-US" dirty="0"/>
+              <a:t>The HTTP Client API was first introduced in Java 9 and was updated in Java 10. </a:t>
+            </a:r>
+          </a:p>
+          <a:p>
+            <a:r>
+              <a:rPr lang="en-US" dirty="0"/>
+              <a:t>It is offered as a standard feature in Java 11 version. </a:t>
+            </a:r>
+          </a:p>
+          <a:p>
+            <a:r>
+              <a:rPr lang="en-US" dirty="0"/>
+              <a:t>The new API has better performance and is compatible with both HTTP/1.1 and HTTP/2. </a:t>
+            </a:r>
+          </a:p>
+          <a:p>
+            <a:r>
+              <a:rPr lang="en-US" dirty="0"/>
+              <a:t>The API also provides support for </a:t>
+            </a:r>
+            <a:r>
+              <a:rPr lang="en-US" dirty="0" err="1"/>
+              <a:t>WebSockets</a:t>
+            </a:r>
+            <a:r>
+              <a:rPr lang="en-US" dirty="0"/>
+              <a:t>.</a:t>
+            </a:r>
+            <a:endParaRPr lang="en-IN" dirty="0"/>
+          </a:p>
+        </p:txBody>
+      </p:sp>
+    </p:spTree>
+    <p:extLst>
+      <p:ext uri="{BB962C8B-B14F-4D97-AF65-F5344CB8AC3E}">
+        <p14:creationId xmlns:p14="http://schemas.microsoft.com/office/powerpoint/2010/main" val="3525470934"/>
       </p:ext>
     </p:extLst>
   </p:cSld>
@@ -3912,4 +7195,299 @@
     </a:ext>
   </a:extLst>
 </a:theme>
+</file>
+
+<file path=ppt/theme/theme2.xml><?xml version="1.0" encoding="utf-8"?>
+<a:theme xmlns:a="http://schemas.openxmlformats.org/drawingml/2006/main" name="Office Theme">
+  <a:themeElements>
+    <a:clrScheme name="Office">
+      <a:dk1>
+        <a:sysClr val="windowText" lastClr="000000"/>
+      </a:dk1>
+      <a:lt1>
+        <a:sysClr val="window" lastClr="FFFFFF"/>
+      </a:lt1>
+      <a:dk2>
+        <a:srgbClr val="44546A"/>
+      </a:dk2>
+      <a:lt2>
+        <a:srgbClr val="E7E6E6"/>
+      </a:lt2>
+      <a:accent1>
+        <a:srgbClr val="4472C4"/>
+      </a:accent1>
+      <a:accent2>
+        <a:srgbClr val="ED7D31"/>
+      </a:accent2>
+      <a:accent3>
+        <a:srgbClr val="A5A5A5"/>
+      </a:accent3>
+      <a:accent4>
+        <a:srgbClr val="FFC000"/>
+      </a:accent4>
+      <a:accent5>
+        <a:srgbClr val="5B9BD5"/>
+      </a:accent5>
+      <a:accent6>
+        <a:srgbClr val="70AD47"/>
+      </a:accent6>
+      <a:hlink>
+        <a:srgbClr val="0563C1"/>
+      </a:hlink>
+      <a:folHlink>
+        <a:srgbClr val="954F72"/>
+      </a:folHlink>
+    </a:clrScheme>
+    <a:fontScheme name="Office">
+      <a:majorFont>
+        <a:latin typeface="Calibri Light" panose="020F0302020204030204"/>
+        <a:ea typeface=""/>
+        <a:cs typeface=""/>
+        <a:font script="Jpan" typeface="游ゴシック Light"/>
+        <a:font script="Hang" typeface="맑은 고딕"/>
+        <a:font script="Hans" typeface="等线 Light"/>
+        <a:font script="Hant" typeface="新細明體"/>
+        <a:font script="Arab" typeface="Times New Roman"/>
+        <a:font script="Hebr" typeface="Times New Roman"/>
+        <a:font script="Thai" typeface="Angsana New"/>
+        <a:font script="Ethi" typeface="Nyala"/>
+        <a:font script="Beng" typeface="Vrinda"/>
+        <a:font script="Gujr" typeface="Shruti"/>
+        <a:font script="Khmr" typeface="MoolBoran"/>
+        <a:font script="Knda" typeface="Tunga"/>
+        <a:font script="Guru" typeface="Raavi"/>
+        <a:font script="Cans" typeface="Euphemia"/>
+        <a:font script="Cher" typeface="Plantagenet Cherokee"/>
+        <a:font script="Yiii" typeface="Microsoft Yi Baiti"/>
+        <a:font script="Tibt" typeface="Microsoft Himalaya"/>
+        <a:font script="Thaa" typeface="MV Boli"/>
+        <a:font script="Deva" typeface="Mangal"/>
+        <a:font script="Telu" typeface="Gautami"/>
+        <a:font script="Taml" typeface="Latha"/>
+        <a:font script="Syrc" typeface="Estrangelo Edessa"/>
+        <a:font script="Orya" typeface="Kalinga"/>
+        <a:font script="Mlym" typeface="Kartika"/>
+        <a:font script="Laoo" typeface="DokChampa"/>
+        <a:font script="Sinh" typeface="Iskoola Pota"/>
+        <a:font script="Mong" typeface="Mongolian Baiti"/>
+        <a:font script="Viet" typeface="Times New Roman"/>
+        <a:font script="Uigh" typeface="Microsoft Uighur"/>
+        <a:font script="Geor" typeface="Sylfaen"/>
+        <a:font script="Armn" typeface="Arial"/>
+        <a:font script="Bugi" typeface="Leelawadee UI"/>
+        <a:font script="Bopo" typeface="Microsoft JhengHei"/>
+        <a:font script="Java" typeface="Javanese Text"/>
+        <a:font script="Lisu" typeface="Segoe UI"/>
+        <a:font script="Mymr" typeface="Myanmar Text"/>
+        <a:font script="Nkoo" typeface="Ebrima"/>
+        <a:font script="Olck" typeface="Nirmala UI"/>
+        <a:font script="Osma" typeface="Ebrima"/>
+        <a:font script="Phag" typeface="Phagspa"/>
+        <a:font script="Syrn" typeface="Estrangelo Edessa"/>
+        <a:font script="Syrj" typeface="Estrangelo Edessa"/>
+        <a:font script="Syre" typeface="Estrangelo Edessa"/>
+        <a:font script="Sora" typeface="Nirmala UI"/>
+        <a:font script="Tale" typeface="Microsoft Tai Le"/>
+        <a:font script="Talu" typeface="Microsoft New Tai Lue"/>
+        <a:font script="Tfng" typeface="Ebrima"/>
+      </a:majorFont>
+      <a:minorFont>
+        <a:latin typeface="Calibri" panose="020F0502020204030204"/>
+        <a:ea typeface=""/>
+        <a:cs typeface=""/>
+        <a:font script="Jpan" typeface="游ゴシック"/>
+        <a:font script="Hang" typeface="맑은 고딕"/>
+        <a:font script="Hans" typeface="等线"/>
+        <a:font script="Hant" typeface="新細明體"/>
+        <a:font script="Arab" typeface="Arial"/>
+        <a:font script="Hebr" typeface="Arial"/>
+        <a:font script="Thai" typeface="Cordia New"/>
+        <a:font script="Ethi" typeface="Nyala"/>
+        <a:font script="Beng" typeface="Vrinda"/>
+        <a:font script="Gujr" typeface="Shruti"/>
+        <a:font script="Khmr" typeface="DaunPenh"/>
+        <a:font script="Knda" typeface="Tunga"/>
+        <a:font script="Guru" typeface="Raavi"/>
+        <a:font script="Cans" typeface="Euphemia"/>
+        <a:font script="Cher" typeface="Plantagenet Cherokee"/>
+        <a:font script="Yiii" typeface="Microsoft Yi Baiti"/>
+        <a:font script="Tibt" typeface="Microsoft Himalaya"/>
+        <a:font script="Thaa" typeface="MV Boli"/>
+        <a:font script="Deva" typeface="Mangal"/>
+        <a:font script="Telu" typeface="Gautami"/>
+        <a:font script="Taml" typeface="Latha"/>
+        <a:font script="Syrc" typeface="Estrangelo Edessa"/>
+        <a:font script="Orya" typeface="Kalinga"/>
+        <a:font script="Mlym" typeface="Kartika"/>
+        <a:font script="Laoo" typeface="DokChampa"/>
+        <a:font script="Sinh" typeface="Iskoola Pota"/>
+        <a:font script="Mong" typeface="Mongolian Baiti"/>
+        <a:font script="Viet" typeface="Arial"/>
+        <a:font script="Uigh" typeface="Microsoft Uighur"/>
+        <a:font script="Geor" typeface="Sylfaen"/>
+        <a:font script="Armn" typeface="Arial"/>
+        <a:font script="Bugi" typeface="Leelawadee UI"/>
+        <a:font script="Bopo" typeface="Microsoft JhengHei"/>
+        <a:font script="Java" typeface="Javanese Text"/>
+        <a:font script="Lisu" typeface="Segoe UI"/>
+        <a:font script="Mymr" typeface="Myanmar Text"/>
+        <a:font script="Nkoo" typeface="Ebrima"/>
+        <a:font script="Olck" typeface="Nirmala UI"/>
+        <a:font script="Osma" typeface="Ebrima"/>
+        <a:font script="Phag" typeface="Phagspa"/>
+        <a:font script="Syrn" typeface="Estrangelo Edessa"/>
+        <a:font script="Syrj" typeface="Estrangelo Edessa"/>
+        <a:font script="Syre" typeface="Estrangelo Edessa"/>
+        <a:font script="Sora" typeface="Nirmala UI"/>
+        <a:font script="Tale" typeface="Microsoft Tai Le"/>
+        <a:font script="Talu" typeface="Microsoft New Tai Lue"/>
+        <a:font script="Tfng" typeface="Ebrima"/>
+      </a:minorFont>
+    </a:fontScheme>
+    <a:fmtScheme name="Office">
+      <a:fillStyleLst>
+        <a:solidFill>
+          <a:schemeClr val="phClr"/>
+        </a:solidFill>
+        <a:gradFill rotWithShape="1">
+          <a:gsLst>
+            <a:gs pos="0">
+              <a:schemeClr val="phClr">
+                <a:lumMod val="110000"/>
+                <a:satMod val="105000"/>
+                <a:tint val="67000"/>
+              </a:schemeClr>
+            </a:gs>
+            <a:gs pos="50000">
+              <a:schemeClr val="phClr">
+                <a:lumMod val="105000"/>
+                <a:satMod val="103000"/>
+                <a:tint val="73000"/>
+              </a:schemeClr>
+            </a:gs>
+            <a:gs pos="100000">
+              <a:schemeClr val="phClr">
+                <a:lumMod val="105000"/>
+                <a:satMod val="109000"/>
+                <a:tint val="81000"/>
+              </a:schemeClr>
+            </a:gs>
+          </a:gsLst>
+          <a:lin ang="5400000" scaled="0"/>
+        </a:gradFill>
+        <a:gradFill rotWithShape="1">
+          <a:gsLst>
+            <a:gs pos="0">
+              <a:schemeClr val="phClr">
+                <a:satMod val="103000"/>
+                <a:lumMod val="102000"/>
+                <a:tint val="94000"/>
+              </a:schemeClr>
+            </a:gs>
+            <a:gs pos="50000">
+              <a:schemeClr val="phClr">
+                <a:satMod val="110000"/>
+                <a:lumMod val="100000"/>
+                <a:shade val="100000"/>
+              </a:schemeClr>
+            </a:gs>
+            <a:gs pos="100000">
+              <a:schemeClr val="phClr">
+                <a:lumMod val="99000"/>
+                <a:satMod val="120000"/>
+                <a:shade val="78000"/>
+              </a:schemeClr>
+            </a:gs>
+          </a:gsLst>
+          <a:lin ang="5400000" scaled="0"/>
+        </a:gradFill>
+      </a:fillStyleLst>
+      <a:lnStyleLst>
+        <a:ln w="6350" cap="flat" cmpd="sng" algn="ctr">
+          <a:solidFill>
+            <a:schemeClr val="phClr"/>
+          </a:solidFill>
+          <a:prstDash val="solid"/>
+          <a:miter lim="800000"/>
+        </a:ln>
+        <a:ln w="12700" cap="flat" cmpd="sng" algn="ctr">
+          <a:solidFill>
+            <a:schemeClr val="phClr"/>
+          </a:solidFill>
+          <a:prstDash val="solid"/>
+          <a:miter lim="800000"/>
+        </a:ln>
+        <a:ln w="19050" cap="flat" cmpd="sng" algn="ctr">
+          <a:solidFill>
+            <a:schemeClr val="phClr"/>
+          </a:solidFill>
+          <a:prstDash val="solid"/>
+          <a:miter lim="800000"/>
+        </a:ln>
+      </a:lnStyleLst>
+      <a:effectStyleLst>
+        <a:effectStyle>
+          <a:effectLst/>
+        </a:effectStyle>
+        <a:effectStyle>
+          <a:effectLst/>
+        </a:effectStyle>
+        <a:effectStyle>
+          <a:effectLst>
+            <a:outerShdw blurRad="57150" dist="19050" dir="5400000" algn="ctr" rotWithShape="0">
+              <a:srgbClr val="000000">
+                <a:alpha val="63000"/>
+              </a:srgbClr>
+            </a:outerShdw>
+          </a:effectLst>
+        </a:effectStyle>
+      </a:effectStyleLst>
+      <a:bgFillStyleLst>
+        <a:solidFill>
+          <a:schemeClr val="phClr"/>
+        </a:solidFill>
+        <a:solidFill>
+          <a:schemeClr val="phClr">
+            <a:tint val="95000"/>
+            <a:satMod val="170000"/>
+          </a:schemeClr>
+        </a:solidFill>
+        <a:gradFill rotWithShape="1">
+          <a:gsLst>
+            <a:gs pos="0">
+              <a:schemeClr val="phClr">
+                <a:tint val="93000"/>
+                <a:satMod val="150000"/>
+                <a:shade val="98000"/>
+                <a:lumMod val="102000"/>
+              </a:schemeClr>
+            </a:gs>
+            <a:gs pos="50000">
+              <a:schemeClr val="phClr">
+                <a:tint val="98000"/>
+                <a:satMod val="130000"/>
+                <a:shade val="90000"/>
+                <a:lumMod val="103000"/>
+              </a:schemeClr>
+            </a:gs>
+            <a:gs pos="100000">
+              <a:schemeClr val="phClr">
+                <a:shade val="63000"/>
+                <a:satMod val="120000"/>
+              </a:schemeClr>
+            </a:gs>
+          </a:gsLst>
+          <a:lin ang="5400000" scaled="0"/>
+        </a:gradFill>
+      </a:bgFillStyleLst>
+    </a:fmtScheme>
+  </a:themeElements>
+  <a:objectDefaults/>
+  <a:extraClrSchemeLst/>
+  <a:extLst>
+    <a:ext uri="{05A4C25C-085E-4340-85A3-A5531E510DB2}">
+      <thm15:themeFamily xmlns:thm15="http://schemas.microsoft.com/office/thememl/2012/main" name="Office Theme" id="{62F939B6-93AF-4DB8-9C6B-D6C7DFDC589F}" vid="{4A3C46E8-61CC-4603-A589-7422A47A8E4A}"/>
+    </a:ext>
+  </a:extLst>
+</a:theme>
 </file>